--- a/doc/Diagrams.pptx
+++ b/doc/Diagrams.pptx
@@ -106,6 +106,22 @@
       </a:defRPr>
     </a:lvl9pPr>
   </p:defaultTextStyle>
+  <p:extLst>
+    <p:ext uri="{EFAFB233-063F-42B5-8137-9DF3F51BA10A}">
+      <p15:sldGuideLst xmlns:p15="http://schemas.microsoft.com/office/powerpoint/2012/main">
+        <p15:guide id="1" orient="horz" pos="2160">
+          <p15:clr>
+            <a:srgbClr val="A4A3A4"/>
+          </p15:clr>
+        </p15:guide>
+        <p15:guide id="2" pos="2880">
+          <p15:clr>
+            <a:srgbClr val="A4A3A4"/>
+          </p15:clr>
+        </p15:guide>
+      </p15:sldGuideLst>
+    </p:ext>
+  </p:extLst>
 </p:presentation>
 </file>
 
@@ -290,7 +306,7 @@
           <a:p>
             <a:fld id="{78C97017-6FC3-485B-9764-EAC9E56C1D49}" type="datetimeFigureOut">
               <a:rPr lang="en-US" smtClean="0"/>
-              <a:t>8/28/2016</a:t>
+              <a:t>8/28/16</a:t>
             </a:fld>
             <a:endParaRPr lang="en-US"/>
           </a:p>
@@ -460,7 +476,7 @@
           <a:p>
             <a:fld id="{78C97017-6FC3-485B-9764-EAC9E56C1D49}" type="datetimeFigureOut">
               <a:rPr lang="en-US" smtClean="0"/>
-              <a:t>8/28/2016</a:t>
+              <a:t>8/28/16</a:t>
             </a:fld>
             <a:endParaRPr lang="en-US"/>
           </a:p>
@@ -640,7 +656,7 @@
           <a:p>
             <a:fld id="{78C97017-6FC3-485B-9764-EAC9E56C1D49}" type="datetimeFigureOut">
               <a:rPr lang="en-US" smtClean="0"/>
-              <a:t>8/28/2016</a:t>
+              <a:t>8/28/16</a:t>
             </a:fld>
             <a:endParaRPr lang="en-US"/>
           </a:p>
@@ -810,7 +826,7 @@
           <a:p>
             <a:fld id="{78C97017-6FC3-485B-9764-EAC9E56C1D49}" type="datetimeFigureOut">
               <a:rPr lang="en-US" smtClean="0"/>
-              <a:t>8/28/2016</a:t>
+              <a:t>8/28/16</a:t>
             </a:fld>
             <a:endParaRPr lang="en-US"/>
           </a:p>
@@ -1056,7 +1072,7 @@
           <a:p>
             <a:fld id="{78C97017-6FC3-485B-9764-EAC9E56C1D49}" type="datetimeFigureOut">
               <a:rPr lang="en-US" smtClean="0"/>
-              <a:t>8/28/2016</a:t>
+              <a:t>8/28/16</a:t>
             </a:fld>
             <a:endParaRPr lang="en-US"/>
           </a:p>
@@ -1344,7 +1360,7 @@
           <a:p>
             <a:fld id="{78C97017-6FC3-485B-9764-EAC9E56C1D49}" type="datetimeFigureOut">
               <a:rPr lang="en-US" smtClean="0"/>
-              <a:t>8/28/2016</a:t>
+              <a:t>8/28/16</a:t>
             </a:fld>
             <a:endParaRPr lang="en-US"/>
           </a:p>
@@ -1766,7 +1782,7 @@
           <a:p>
             <a:fld id="{78C97017-6FC3-485B-9764-EAC9E56C1D49}" type="datetimeFigureOut">
               <a:rPr lang="en-US" smtClean="0"/>
-              <a:t>8/28/2016</a:t>
+              <a:t>8/28/16</a:t>
             </a:fld>
             <a:endParaRPr lang="en-US"/>
           </a:p>
@@ -1884,7 +1900,7 @@
           <a:p>
             <a:fld id="{78C97017-6FC3-485B-9764-EAC9E56C1D49}" type="datetimeFigureOut">
               <a:rPr lang="en-US" smtClean="0"/>
-              <a:t>8/28/2016</a:t>
+              <a:t>8/28/16</a:t>
             </a:fld>
             <a:endParaRPr lang="en-US"/>
           </a:p>
@@ -1979,7 +1995,7 @@
           <a:p>
             <a:fld id="{78C97017-6FC3-485B-9764-EAC9E56C1D49}" type="datetimeFigureOut">
               <a:rPr lang="en-US" smtClean="0"/>
-              <a:t>8/28/2016</a:t>
+              <a:t>8/28/16</a:t>
             </a:fld>
             <a:endParaRPr lang="en-US"/>
           </a:p>
@@ -2256,7 +2272,7 @@
           <a:p>
             <a:fld id="{78C97017-6FC3-485B-9764-EAC9E56C1D49}" type="datetimeFigureOut">
               <a:rPr lang="en-US" smtClean="0"/>
-              <a:t>8/28/2016</a:t>
+              <a:t>8/28/16</a:t>
             </a:fld>
             <a:endParaRPr lang="en-US"/>
           </a:p>
@@ -2509,7 +2525,7 @@
           <a:p>
             <a:fld id="{78C97017-6FC3-485B-9764-EAC9E56C1D49}" type="datetimeFigureOut">
               <a:rPr lang="en-US" smtClean="0"/>
-              <a:t>8/28/2016</a:t>
+              <a:t>8/28/16</a:t>
             </a:fld>
             <a:endParaRPr lang="en-US"/>
           </a:p>
@@ -2722,7 +2738,7 @@
           <a:p>
             <a:fld id="{78C97017-6FC3-485B-9764-EAC9E56C1D49}" type="datetimeFigureOut">
               <a:rPr lang="en-US" smtClean="0"/>
-              <a:t>8/28/2016</a:t>
+              <a:t>8/28/16</a:t>
             </a:fld>
             <a:endParaRPr lang="en-US"/>
           </a:p>
@@ -3185,7 +3201,7 @@
         </p:nvSpPr>
         <p:spPr>
           <a:xfrm>
-            <a:off x="761999" y="5141640"/>
+            <a:off x="366345" y="5065440"/>
             <a:ext cx="929296" cy="346760"/>
           </a:xfrm>
           <a:prstGeom prst="rect">
@@ -3229,7 +3245,7 @@
         </p:nvSpPr>
         <p:spPr>
           <a:xfrm>
-            <a:off x="762000" y="3747060"/>
+            <a:off x="366346" y="3670860"/>
             <a:ext cx="929296" cy="346760"/>
           </a:xfrm>
           <a:prstGeom prst="rect">
@@ -3288,7 +3304,7 @@
         </p:nvSpPr>
         <p:spPr>
           <a:xfrm>
-            <a:off x="2064848" y="3747060"/>
+            <a:off x="1669194" y="3670860"/>
             <a:ext cx="929296" cy="346760"/>
           </a:xfrm>
           <a:prstGeom prst="rect">
@@ -3332,7 +3348,7 @@
         </p:nvSpPr>
         <p:spPr>
           <a:xfrm>
-            <a:off x="1447800" y="3006040"/>
+            <a:off x="1052146" y="2929840"/>
             <a:ext cx="634723" cy="346760"/>
           </a:xfrm>
           <a:prstGeom prst="rect">
@@ -3376,7 +3392,7 @@
         </p:nvSpPr>
         <p:spPr>
           <a:xfrm>
-            <a:off x="3681046" y="3032560"/>
+            <a:off x="3285392" y="2956360"/>
             <a:ext cx="929296" cy="346760"/>
           </a:xfrm>
           <a:prstGeom prst="rect">
@@ -3427,7 +3443,7 @@
         </p:nvSpPr>
         <p:spPr>
           <a:xfrm>
-            <a:off x="3654669" y="4352685"/>
+            <a:off x="3259015" y="4276485"/>
             <a:ext cx="929296" cy="346760"/>
           </a:xfrm>
           <a:prstGeom prst="rect">
@@ -3478,7 +3494,7 @@
         </p:nvSpPr>
         <p:spPr>
           <a:xfrm>
-            <a:off x="5219458" y="4352685"/>
+            <a:off x="4823804" y="4276485"/>
             <a:ext cx="929296" cy="346760"/>
           </a:xfrm>
           <a:prstGeom prst="rect">
@@ -3522,7 +3538,7 @@
         </p:nvSpPr>
         <p:spPr>
           <a:xfrm>
-            <a:off x="6781800" y="4036277"/>
+            <a:off x="6386146" y="3960077"/>
             <a:ext cx="929296" cy="346760"/>
           </a:xfrm>
           <a:prstGeom prst="rect">
@@ -3566,7 +3582,7 @@
         </p:nvSpPr>
         <p:spPr>
           <a:xfrm>
-            <a:off x="6796454" y="4495800"/>
+            <a:off x="6400800" y="4419600"/>
             <a:ext cx="929296" cy="346760"/>
           </a:xfrm>
           <a:prstGeom prst="rect">
@@ -3610,7 +3626,7 @@
         </p:nvSpPr>
         <p:spPr>
           <a:xfrm>
-            <a:off x="6796454" y="4953000"/>
+            <a:off x="6400800" y="4876800"/>
             <a:ext cx="929296" cy="346760"/>
           </a:xfrm>
           <a:prstGeom prst="rect">
@@ -3654,7 +3670,7 @@
         </p:nvSpPr>
         <p:spPr>
           <a:xfrm>
-            <a:off x="1153227" y="4460471"/>
+            <a:off x="757573" y="4384271"/>
             <a:ext cx="929296" cy="346760"/>
           </a:xfrm>
           <a:prstGeom prst="rect">
@@ -3698,7 +3714,7 @@
         </p:nvCxnSpPr>
         <p:spPr>
           <a:xfrm rot="5400000">
-            <a:off x="321738" y="4617731"/>
+            <a:off x="-73916" y="4541531"/>
             <a:ext cx="1047820" cy="1"/>
           </a:xfrm>
           <a:prstGeom prst="bentConnector3">
@@ -3741,7 +3757,7 @@
         </p:nvCxnSpPr>
         <p:spPr>
           <a:xfrm rot="5400000" flipH="1" flipV="1">
-            <a:off x="1053404" y="3352664"/>
+            <a:off x="657750" y="3276464"/>
             <a:ext cx="567640" cy="221152"/>
           </a:xfrm>
           <a:prstGeom prst="bentConnector2">
@@ -3780,7 +3796,7 @@
         </p:nvCxnSpPr>
         <p:spPr>
           <a:xfrm rot="16200000" flipH="1">
-            <a:off x="809847" y="4297627"/>
+            <a:off x="414193" y="4221427"/>
             <a:ext cx="530702" cy="141745"/>
           </a:xfrm>
           <a:prstGeom prst="bentConnector2">
@@ -3821,7 +3837,7 @@
         </p:nvCxnSpPr>
         <p:spPr>
           <a:xfrm flipV="1">
-            <a:off x="3230192" y="3205940"/>
+            <a:off x="2834538" y="3129740"/>
             <a:ext cx="450854" cy="712546"/>
           </a:xfrm>
           <a:prstGeom prst="bentConnector3">
@@ -3859,7 +3875,7 @@
         </p:nvCxnSpPr>
         <p:spPr>
           <a:xfrm>
-            <a:off x="3230192" y="3918486"/>
+            <a:off x="2834538" y="3842286"/>
             <a:ext cx="424477" cy="607579"/>
           </a:xfrm>
           <a:prstGeom prst="bentConnector3">
@@ -3899,7 +3915,7 @@
         </p:nvCxnSpPr>
         <p:spPr>
           <a:xfrm rot="5400000" flipH="1" flipV="1">
-            <a:off x="5197424" y="3866003"/>
+            <a:off x="4801770" y="3789803"/>
             <a:ext cx="973365" cy="12700"/>
           </a:xfrm>
           <a:prstGeom prst="bentConnector3">
@@ -3939,7 +3955,7 @@
         </p:nvCxnSpPr>
         <p:spPr>
           <a:xfrm flipV="1">
-            <a:off x="6384802" y="4209657"/>
+            <a:off x="5989148" y="4133457"/>
             <a:ext cx="396998" cy="312434"/>
           </a:xfrm>
           <a:prstGeom prst="bentConnector3">
@@ -3979,7 +3995,7 @@
         </p:nvCxnSpPr>
         <p:spPr>
           <a:xfrm>
-            <a:off x="6384802" y="4522091"/>
+            <a:off x="5989148" y="4445891"/>
             <a:ext cx="411652" cy="147089"/>
           </a:xfrm>
           <a:prstGeom prst="bentConnector3">
@@ -4019,7 +4035,7 @@
         </p:nvCxnSpPr>
         <p:spPr>
           <a:xfrm>
-            <a:off x="6384802" y="4522091"/>
+            <a:off x="5989148" y="4445891"/>
             <a:ext cx="411652" cy="604289"/>
           </a:xfrm>
           <a:prstGeom prst="bentConnector3">
@@ -4056,7 +4072,7 @@
         </p:nvSpPr>
         <p:spPr>
           <a:xfrm>
-            <a:off x="5219458" y="3032560"/>
+            <a:off x="4823804" y="2956360"/>
             <a:ext cx="929296" cy="346760"/>
           </a:xfrm>
           <a:prstGeom prst="rect">
@@ -4100,7 +4116,7 @@
         </p:nvSpPr>
         <p:spPr>
           <a:xfrm>
-            <a:off x="6148754" y="4435401"/>
+            <a:off x="5753100" y="4359201"/>
             <a:ext cx="236048" cy="173380"/>
           </a:xfrm>
           <a:prstGeom prst="flowChartDecision">
@@ -4147,7 +4163,7 @@
         </p:nvSpPr>
         <p:spPr>
           <a:xfrm>
-            <a:off x="4610342" y="3131950"/>
+            <a:off x="4214688" y="3055750"/>
             <a:ext cx="236048" cy="173380"/>
           </a:xfrm>
           <a:prstGeom prst="flowChartDecision">
@@ -4188,7 +4204,7 @@
         </p:nvSpPr>
         <p:spPr>
           <a:xfrm>
-            <a:off x="4573941" y="4439375"/>
+            <a:off x="4178287" y="4363175"/>
             <a:ext cx="236048" cy="173380"/>
           </a:xfrm>
           <a:prstGeom prst="flowChartDecision">
@@ -4229,7 +4245,7 @@
         </p:nvSpPr>
         <p:spPr>
           <a:xfrm>
-            <a:off x="2994144" y="3831796"/>
+            <a:off x="2598490" y="3755596"/>
             <a:ext cx="236048" cy="173380"/>
           </a:xfrm>
           <a:prstGeom prst="flowChartDecision">
@@ -4275,7 +4291,7 @@
         </p:nvCxnSpPr>
         <p:spPr>
           <a:xfrm flipV="1">
-            <a:off x="4846390" y="3205940"/>
+            <a:off x="4450736" y="3129740"/>
             <a:ext cx="373068" cy="12700"/>
           </a:xfrm>
           <a:prstGeom prst="straightConnector1">
@@ -4313,7 +4329,7 @@
         </p:nvCxnSpPr>
         <p:spPr>
           <a:xfrm>
-            <a:off x="4809989" y="4526065"/>
+            <a:off x="4414335" y="4449865"/>
             <a:ext cx="409469" cy="0"/>
           </a:xfrm>
           <a:prstGeom prst="straightConnector1">
@@ -4351,7 +4367,7 @@
         </p:nvCxnSpPr>
         <p:spPr>
           <a:xfrm>
-            <a:off x="1691296" y="3920440"/>
+            <a:off x="1295642" y="3844240"/>
             <a:ext cx="373552" cy="0"/>
           </a:xfrm>
           <a:prstGeom prst="straightConnector1">
@@ -4389,7 +4405,7 @@
         </p:nvSpPr>
         <p:spPr>
           <a:xfrm>
-            <a:off x="2258278" y="5140408"/>
+            <a:off x="1862624" y="5064208"/>
             <a:ext cx="1408598" cy="346760"/>
           </a:xfrm>
           <a:prstGeom prst="rect">
@@ -4443,7 +4459,7 @@
         </p:nvCxnSpPr>
         <p:spPr>
           <a:xfrm flipV="1">
-            <a:off x="1691295" y="5313788"/>
+            <a:off x="1295641" y="5237588"/>
             <a:ext cx="566983" cy="1232"/>
           </a:xfrm>
           <a:prstGeom prst="bentConnector3">
@@ -4484,7 +4500,7 @@
         </p:nvSpPr>
         <p:spPr>
           <a:xfrm rot="16200000">
-            <a:off x="3619386" y="5226026"/>
+            <a:off x="3223732" y="5149826"/>
             <a:ext cx="270504" cy="175523"/>
           </a:xfrm>
           <a:prstGeom prst="triangle">
@@ -4527,7 +4543,7 @@
         </p:nvCxnSpPr>
         <p:spPr>
           <a:xfrm rot="5400000">
-            <a:off x="4456082" y="4085763"/>
+            <a:off x="4060428" y="4009563"/>
             <a:ext cx="614343" cy="1841706"/>
           </a:xfrm>
           <a:prstGeom prst="bentConnector2">
@@ -4563,7 +4579,7 @@
         </p:nvSpPr>
         <p:spPr>
           <a:xfrm>
-            <a:off x="2566828" y="1356188"/>
+            <a:off x="2171174" y="1279988"/>
             <a:ext cx="1611867" cy="444640"/>
           </a:xfrm>
           <a:prstGeom prst="rect">
@@ -4614,7 +4630,7 @@
         </p:nvSpPr>
         <p:spPr>
           <a:xfrm flipH="1">
-            <a:off x="4724400" y="1059080"/>
+            <a:off x="4328746" y="982880"/>
             <a:ext cx="1404109" cy="346760"/>
           </a:xfrm>
           <a:prstGeom prst="rect">
@@ -4658,7 +4674,7 @@
         </p:nvSpPr>
         <p:spPr>
           <a:xfrm flipH="1">
-            <a:off x="4724400" y="1454067"/>
+            <a:off x="4328746" y="1377867"/>
             <a:ext cx="1404109" cy="346760"/>
           </a:xfrm>
           <a:prstGeom prst="rect">
@@ -4702,7 +4718,7 @@
         </p:nvSpPr>
         <p:spPr>
           <a:xfrm flipH="1">
-            <a:off x="4724400" y="1849054"/>
+            <a:off x="4328746" y="1772854"/>
             <a:ext cx="1404109" cy="346760"/>
           </a:xfrm>
           <a:prstGeom prst="rect">
@@ -4746,7 +4762,7 @@
         </p:nvSpPr>
         <p:spPr>
           <a:xfrm rot="16200000">
-            <a:off x="4131203" y="1571491"/>
+            <a:off x="3735549" y="1495291"/>
             <a:ext cx="270504" cy="175523"/>
           </a:xfrm>
           <a:prstGeom prst="triangle">
@@ -4789,7 +4805,7 @@
         </p:nvCxnSpPr>
         <p:spPr>
           <a:xfrm flipV="1">
-            <a:off x="4354217" y="1627447"/>
+            <a:off x="3958563" y="1551247"/>
             <a:ext cx="370183" cy="31806"/>
           </a:xfrm>
           <a:prstGeom prst="bentConnector3">
@@ -4827,7 +4843,7 @@
         </p:nvCxnSpPr>
         <p:spPr>
           <a:xfrm flipV="1">
-            <a:off x="4354217" y="1232460"/>
+            <a:off x="3958563" y="1156260"/>
             <a:ext cx="370183" cy="426793"/>
           </a:xfrm>
           <a:prstGeom prst="bentConnector3">
@@ -4865,7 +4881,7 @@
         </p:nvCxnSpPr>
         <p:spPr>
           <a:xfrm>
-            <a:off x="4354217" y="1659253"/>
+            <a:off x="3958563" y="1583053"/>
             <a:ext cx="370183" cy="363181"/>
           </a:xfrm>
           <a:prstGeom prst="bentConnector3">
@@ -4900,7 +4916,7 @@
         </p:nvSpPr>
         <p:spPr>
           <a:xfrm flipH="1">
-            <a:off x="4724400" y="2244040"/>
+            <a:off x="4328746" y="2167840"/>
             <a:ext cx="1404109" cy="346760"/>
           </a:xfrm>
           <a:prstGeom prst="rect">
@@ -4947,7 +4963,7 @@
         </p:nvCxnSpPr>
         <p:spPr>
           <a:xfrm>
-            <a:off x="4354217" y="1659253"/>
+            <a:off x="3958563" y="1583053"/>
             <a:ext cx="370183" cy="758167"/>
           </a:xfrm>
           <a:prstGeom prst="bentConnector3">
@@ -4985,7 +5001,7 @@
         </p:nvCxnSpPr>
         <p:spPr>
           <a:xfrm rot="5400000" flipH="1" flipV="1">
-            <a:off x="1452229" y="1891441"/>
+            <a:off x="1056575" y="1815241"/>
             <a:ext cx="1427532" cy="801666"/>
           </a:xfrm>
           <a:prstGeom prst="bentConnector2">
@@ -5021,7 +5037,7 @@
         </p:nvCxnSpPr>
         <p:spPr>
           <a:xfrm rot="5400000" flipH="1" flipV="1">
-            <a:off x="632132" y="1812364"/>
+            <a:off x="236478" y="1736164"/>
             <a:ext cx="2293164" cy="1576229"/>
           </a:xfrm>
           <a:prstGeom prst="bentConnector3">
@@ -5062,7 +5078,7 @@
         </p:nvCxnSpPr>
         <p:spPr>
           <a:xfrm rot="5400000">
-            <a:off x="1795164" y="2790743"/>
+            <a:off x="1399510" y="2714543"/>
             <a:ext cx="1889726" cy="6348"/>
           </a:xfrm>
           <a:prstGeom prst="bentConnector3">
@@ -5103,7 +5119,7 @@
         </p:nvSpPr>
         <p:spPr>
           <a:xfrm flipH="1">
-            <a:off x="1219200" y="720040"/>
+            <a:off x="823546" y="643840"/>
             <a:ext cx="1404109" cy="346760"/>
           </a:xfrm>
           <a:prstGeom prst="rect">
@@ -5150,7 +5166,7 @@
         </p:nvCxnSpPr>
         <p:spPr>
           <a:xfrm rot="16200000" flipV="1">
-            <a:off x="2766652" y="750077"/>
+            <a:off x="2370998" y="673877"/>
             <a:ext cx="462768" cy="749453"/>
           </a:xfrm>
           <a:prstGeom prst="bentConnector2">
@@ -5191,7 +5207,7 @@
         </p:nvCxnSpPr>
         <p:spPr>
           <a:xfrm rot="5400000" flipH="1" flipV="1">
-            <a:off x="-394396" y="2133468"/>
+            <a:off x="-790050" y="2057268"/>
             <a:ext cx="2853643" cy="373549"/>
           </a:xfrm>
           <a:prstGeom prst="bentConnector2">
@@ -5230,7 +5246,7 @@
         </p:nvSpPr>
         <p:spPr>
           <a:xfrm>
-            <a:off x="6781800" y="3539440"/>
+            <a:off x="6386146" y="3463240"/>
             <a:ext cx="929296" cy="346760"/>
           </a:xfrm>
           <a:prstGeom prst="rect">
@@ -5277,7 +5293,7 @@
         </p:nvCxnSpPr>
         <p:spPr>
           <a:xfrm flipV="1">
-            <a:off x="6384802" y="3712820"/>
+            <a:off x="5989148" y="3636620"/>
             <a:ext cx="396998" cy="809271"/>
           </a:xfrm>
           <a:prstGeom prst="bentConnector3">
@@ -5314,7 +5330,7 @@
         </p:nvSpPr>
         <p:spPr>
           <a:xfrm>
-            <a:off x="6384802" y="874142"/>
+            <a:off x="5989148" y="797942"/>
             <a:ext cx="929296" cy="346760"/>
           </a:xfrm>
           <a:prstGeom prst="rect">
@@ -5358,7 +5374,7 @@
         </p:nvSpPr>
         <p:spPr>
           <a:xfrm>
-            <a:off x="7592520" y="874142"/>
+            <a:off x="7196866" y="797942"/>
             <a:ext cx="929296" cy="346760"/>
           </a:xfrm>
           <a:prstGeom prst="rect">
@@ -5402,7 +5418,7 @@
         </p:nvSpPr>
         <p:spPr>
           <a:xfrm>
-            <a:off x="3666876" y="3710497"/>
+            <a:off x="3271222" y="3634297"/>
             <a:ext cx="929296" cy="346760"/>
           </a:xfrm>
           <a:prstGeom prst="rect">
@@ -5446,7 +5462,7 @@
         </p:nvSpPr>
         <p:spPr>
           <a:xfrm>
-            <a:off x="2356763" y="4455640"/>
+            <a:off x="1961109" y="4379440"/>
             <a:ext cx="929296" cy="346760"/>
           </a:xfrm>
           <a:prstGeom prst="rect">
@@ -5493,7 +5509,7 @@
         </p:nvCxnSpPr>
         <p:spPr>
           <a:xfrm flipV="1">
-            <a:off x="2082523" y="4629020"/>
+            <a:off x="1686869" y="4552820"/>
             <a:ext cx="274240" cy="4831"/>
           </a:xfrm>
           <a:prstGeom prst="bentConnector3">
@@ -5534,7 +5550,7 @@
         </p:nvCxnSpPr>
         <p:spPr>
           <a:xfrm flipV="1">
-            <a:off x="6689603" y="1199445"/>
+            <a:off x="6293949" y="1123245"/>
             <a:ext cx="0" cy="304800"/>
           </a:xfrm>
           <a:prstGeom prst="straightConnector1">
@@ -5573,7 +5589,7 @@
         </p:nvCxnSpPr>
         <p:spPr>
           <a:xfrm flipV="1">
-            <a:off x="6842003" y="1199445"/>
+            <a:off x="6446349" y="1123245"/>
             <a:ext cx="0" cy="304800"/>
           </a:xfrm>
           <a:prstGeom prst="straightConnector1">
@@ -5612,7 +5628,7 @@
         </p:nvCxnSpPr>
         <p:spPr>
           <a:xfrm flipV="1">
-            <a:off x="6994403" y="1199445"/>
+            <a:off x="6598749" y="1123245"/>
             <a:ext cx="0" cy="304800"/>
           </a:xfrm>
           <a:prstGeom prst="straightConnector1">
@@ -5651,7 +5667,7 @@
         </p:nvCxnSpPr>
         <p:spPr>
           <a:xfrm flipV="1">
-            <a:off x="7864446" y="1199445"/>
+            <a:off x="7468792" y="1123245"/>
             <a:ext cx="0" cy="304800"/>
           </a:xfrm>
           <a:prstGeom prst="straightConnector1">
@@ -5690,7 +5706,7 @@
         </p:nvCxnSpPr>
         <p:spPr>
           <a:xfrm flipV="1">
-            <a:off x="8016846" y="1199445"/>
+            <a:off x="7621192" y="1123245"/>
             <a:ext cx="0" cy="304800"/>
           </a:xfrm>
           <a:prstGeom prst="straightConnector1">
@@ -5729,7 +5745,7 @@
         </p:nvCxnSpPr>
         <p:spPr>
           <a:xfrm flipV="1">
-            <a:off x="8169246" y="1199445"/>
+            <a:off x="7773592" y="1123245"/>
             <a:ext cx="0" cy="304800"/>
           </a:xfrm>
           <a:prstGeom prst="straightConnector1">
@@ -5754,6 +5770,385 @@
           </a:fillRef>
           <a:effectRef idx="1">
             <a:schemeClr val="accent2"/>
+          </a:effectRef>
+          <a:fontRef idx="minor">
+            <a:schemeClr val="dk1"/>
+          </a:fontRef>
+        </p:style>
+      </p:cxnSp>
+      <p:sp>
+        <p:nvSpPr>
+          <p:cNvPr id="63" name="Rectangle 21"/>
+          <p:cNvSpPr/>
+          <p:nvPr/>
+        </p:nvSpPr>
+        <p:spPr>
+          <a:xfrm>
+            <a:off x="7979418" y="5489899"/>
+            <a:ext cx="929296" cy="346760"/>
+          </a:xfrm>
+          <a:prstGeom prst="rect">
+            <a:avLst/>
+          </a:prstGeom>
+          <a:ln w="19050"/>
+          <a:effectLst/>
+        </p:spPr>
+        <p:style>
+          <a:lnRef idx="1">
+            <a:schemeClr val="accent4"/>
+          </a:lnRef>
+          <a:fillRef idx="2">
+            <a:schemeClr val="accent4"/>
+          </a:fillRef>
+          <a:effectRef idx="1">
+            <a:schemeClr val="accent4"/>
+          </a:effectRef>
+          <a:fontRef idx="minor">
+            <a:schemeClr val="dk1"/>
+          </a:fontRef>
+        </p:style>
+        <p:txBody>
+          <a:bodyPr rtlCol="0" anchor="ctr"/>
+          <a:lstStyle/>
+          <a:p>
+            <a:pPr algn="ctr"/>
+            <a:r>
+              <a:rPr lang="en-US" sz="1050" dirty="0" smtClean="0"/>
+              <a:t>Unit</a:t>
+            </a:r>
+            <a:endParaRPr lang="en-SG" sz="1050" dirty="0"/>
+          </a:p>
+        </p:txBody>
+      </p:sp>
+      <p:cxnSp>
+        <p:nvCxnSpPr>
+          <p:cNvPr id="64" name="Elbow Connector 70"/>
+          <p:cNvCxnSpPr>
+            <a:stCxn id="69" idx="3"/>
+            <a:endCxn id="64" idx="1"/>
+          </p:cNvCxnSpPr>
+          <p:nvPr/>
+        </p:nvCxnSpPr>
+        <p:spPr>
+          <a:xfrm>
+            <a:off x="7567766" y="5058990"/>
+            <a:ext cx="411652" cy="604289"/>
+          </a:xfrm>
+          <a:prstGeom prst="bentConnector3">
+            <a:avLst>
+              <a:gd name="adj1" fmla="val 50000"/>
+            </a:avLst>
+          </a:prstGeom>
+          <a:ln w="19050">
+            <a:headEnd type="none" w="med" len="med"/>
+            <a:tailEnd type="arrow" w="med" len="med"/>
+          </a:ln>
+          <a:effectLst/>
+        </p:spPr>
+        <p:style>
+          <a:lnRef idx="1">
+            <a:schemeClr val="accent4"/>
+          </a:lnRef>
+          <a:fillRef idx="2">
+            <a:schemeClr val="accent4"/>
+          </a:fillRef>
+          <a:effectRef idx="1">
+            <a:schemeClr val="accent4"/>
+          </a:effectRef>
+          <a:fontRef idx="minor">
+            <a:schemeClr val="dk1"/>
+          </a:fontRef>
+        </p:style>
+      </p:cxnSp>
+      <p:sp>
+        <p:nvSpPr>
+          <p:cNvPr id="66" name="Flowchart: Decision 89"/>
+          <p:cNvSpPr/>
+          <p:nvPr/>
+        </p:nvSpPr>
+        <p:spPr>
+          <a:xfrm>
+            <a:off x="7331718" y="4972300"/>
+            <a:ext cx="236048" cy="173380"/>
+          </a:xfrm>
+          <a:prstGeom prst="flowChartDecision">
+            <a:avLst/>
+          </a:prstGeom>
+          <a:solidFill>
+            <a:schemeClr val="accent4"/>
+          </a:solidFill>
+          <a:ln w="19050"/>
+          <a:effectLst/>
+        </p:spPr>
+        <p:style>
+          <a:lnRef idx="1">
+            <a:schemeClr val="accent4"/>
+          </a:lnRef>
+          <a:fillRef idx="2">
+            <a:schemeClr val="accent4"/>
+          </a:fillRef>
+          <a:effectRef idx="1">
+            <a:schemeClr val="accent4"/>
+          </a:effectRef>
+          <a:fontRef idx="minor">
+            <a:schemeClr val="dk1"/>
+          </a:fontRef>
+        </p:style>
+        <p:txBody>
+          <a:bodyPr rtlCol="0" anchor="ctr"/>
+          <a:lstStyle/>
+          <a:p>
+            <a:pPr algn="ctr"/>
+            <a:endParaRPr lang="en-US" sz="1050"/>
+          </a:p>
+        </p:txBody>
+      </p:sp>
+      <p:sp>
+        <p:nvSpPr>
+          <p:cNvPr id="69" name="Rectangle 21"/>
+          <p:cNvSpPr/>
+          <p:nvPr/>
+        </p:nvSpPr>
+        <p:spPr>
+          <a:xfrm>
+            <a:off x="7979418" y="5989059"/>
+            <a:ext cx="929296" cy="346760"/>
+          </a:xfrm>
+          <a:prstGeom prst="rect">
+            <a:avLst/>
+          </a:prstGeom>
+          <a:ln w="19050"/>
+          <a:effectLst/>
+        </p:spPr>
+        <p:style>
+          <a:lnRef idx="1">
+            <a:schemeClr val="accent4"/>
+          </a:lnRef>
+          <a:fillRef idx="2">
+            <a:schemeClr val="accent4"/>
+          </a:fillRef>
+          <a:effectRef idx="1">
+            <a:schemeClr val="accent4"/>
+          </a:effectRef>
+          <a:fontRef idx="minor">
+            <a:schemeClr val="dk1"/>
+          </a:fontRef>
+        </p:style>
+        <p:txBody>
+          <a:bodyPr rtlCol="0" anchor="ctr"/>
+          <a:lstStyle/>
+          <a:p>
+            <a:pPr algn="ctr"/>
+            <a:r>
+              <a:rPr lang="en-US" sz="1050" dirty="0" err="1" smtClean="0"/>
+              <a:t>PostalCode</a:t>
+            </a:r>
+            <a:endParaRPr lang="en-SG" sz="1050" dirty="0"/>
+          </a:p>
+        </p:txBody>
+      </p:sp>
+      <p:sp>
+        <p:nvSpPr>
+          <p:cNvPr id="72" name="Rectangle 21"/>
+          <p:cNvSpPr/>
+          <p:nvPr/>
+        </p:nvSpPr>
+        <p:spPr>
+          <a:xfrm>
+            <a:off x="7979418" y="4972300"/>
+            <a:ext cx="929296" cy="346760"/>
+          </a:xfrm>
+          <a:prstGeom prst="rect">
+            <a:avLst/>
+          </a:prstGeom>
+          <a:ln w="19050"/>
+          <a:effectLst/>
+        </p:spPr>
+        <p:style>
+          <a:lnRef idx="1">
+            <a:schemeClr val="accent4"/>
+          </a:lnRef>
+          <a:fillRef idx="2">
+            <a:schemeClr val="accent4"/>
+          </a:fillRef>
+          <a:effectRef idx="1">
+            <a:schemeClr val="accent4"/>
+          </a:effectRef>
+          <a:fontRef idx="minor">
+            <a:schemeClr val="dk1"/>
+          </a:fontRef>
+        </p:style>
+        <p:txBody>
+          <a:bodyPr rtlCol="0" anchor="ctr"/>
+          <a:lstStyle/>
+          <a:p>
+            <a:pPr algn="ctr"/>
+            <a:r>
+              <a:rPr lang="en-US" sz="1050" dirty="0" smtClean="0"/>
+              <a:t>Street</a:t>
+            </a:r>
+            <a:endParaRPr lang="en-SG" sz="1050" dirty="0"/>
+          </a:p>
+        </p:txBody>
+      </p:sp>
+      <p:sp>
+        <p:nvSpPr>
+          <p:cNvPr id="74" name="Rectangle 21"/>
+          <p:cNvSpPr/>
+          <p:nvPr/>
+        </p:nvSpPr>
+        <p:spPr>
+          <a:xfrm>
+            <a:off x="7979418" y="4428410"/>
+            <a:ext cx="929296" cy="346760"/>
+          </a:xfrm>
+          <a:prstGeom prst="rect">
+            <a:avLst/>
+          </a:prstGeom>
+          <a:ln w="19050"/>
+          <a:effectLst/>
+        </p:spPr>
+        <p:style>
+          <a:lnRef idx="1">
+            <a:schemeClr val="accent4"/>
+          </a:lnRef>
+          <a:fillRef idx="2">
+            <a:schemeClr val="accent4"/>
+          </a:fillRef>
+          <a:effectRef idx="1">
+            <a:schemeClr val="accent4"/>
+          </a:effectRef>
+          <a:fontRef idx="minor">
+            <a:schemeClr val="dk1"/>
+          </a:fontRef>
+        </p:style>
+        <p:txBody>
+          <a:bodyPr rtlCol="0" anchor="ctr"/>
+          <a:lstStyle/>
+          <a:p>
+            <a:pPr algn="ctr"/>
+            <a:r>
+              <a:rPr lang="en-US" sz="1050" dirty="0" smtClean="0"/>
+              <a:t>Block</a:t>
+            </a:r>
+            <a:endParaRPr lang="en-SG" sz="1050" dirty="0"/>
+          </a:p>
+        </p:txBody>
+      </p:sp>
+      <p:cxnSp>
+        <p:nvCxnSpPr>
+          <p:cNvPr id="75" name="Elbow Connector 70"/>
+          <p:cNvCxnSpPr>
+            <a:stCxn id="69" idx="3"/>
+            <a:endCxn id="75" idx="1"/>
+          </p:cNvCxnSpPr>
+          <p:nvPr/>
+        </p:nvCxnSpPr>
+        <p:spPr>
+          <a:xfrm flipV="1">
+            <a:off x="7567766" y="4601790"/>
+            <a:ext cx="411652" cy="457200"/>
+          </a:xfrm>
+          <a:prstGeom prst="bentConnector3">
+            <a:avLst>
+              <a:gd name="adj1" fmla="val 50000"/>
+            </a:avLst>
+          </a:prstGeom>
+          <a:ln w="19050">
+            <a:headEnd type="none" w="med" len="med"/>
+            <a:tailEnd type="arrow" w="med" len="med"/>
+          </a:ln>
+          <a:effectLst/>
+        </p:spPr>
+        <p:style>
+          <a:lnRef idx="1">
+            <a:schemeClr val="accent4"/>
+          </a:lnRef>
+          <a:fillRef idx="2">
+            <a:schemeClr val="accent4"/>
+          </a:fillRef>
+          <a:effectRef idx="1">
+            <a:schemeClr val="accent4"/>
+          </a:effectRef>
+          <a:fontRef idx="minor">
+            <a:schemeClr val="dk1"/>
+          </a:fontRef>
+        </p:style>
+      </p:cxnSp>
+      <p:cxnSp>
+        <p:nvCxnSpPr>
+          <p:cNvPr id="76" name="Elbow Connector 70"/>
+          <p:cNvCxnSpPr>
+            <a:stCxn id="69" idx="3"/>
+            <a:endCxn id="72" idx="1"/>
+          </p:cNvCxnSpPr>
+          <p:nvPr/>
+        </p:nvCxnSpPr>
+        <p:spPr>
+          <a:xfrm>
+            <a:off x="7567766" y="5058990"/>
+            <a:ext cx="411652" cy="1103449"/>
+          </a:xfrm>
+          <a:prstGeom prst="bentConnector3">
+            <a:avLst>
+              <a:gd name="adj1" fmla="val 50000"/>
+            </a:avLst>
+          </a:prstGeom>
+          <a:ln w="19050">
+            <a:headEnd type="none" w="med" len="med"/>
+            <a:tailEnd type="arrow" w="med" len="med"/>
+          </a:ln>
+          <a:effectLst/>
+        </p:spPr>
+        <p:style>
+          <a:lnRef idx="1">
+            <a:schemeClr val="accent4"/>
+          </a:lnRef>
+          <a:fillRef idx="2">
+            <a:schemeClr val="accent4"/>
+          </a:fillRef>
+          <a:effectRef idx="1">
+            <a:schemeClr val="accent4"/>
+          </a:effectRef>
+          <a:fontRef idx="minor">
+            <a:schemeClr val="dk1"/>
+          </a:fontRef>
+        </p:style>
+      </p:cxnSp>
+      <p:cxnSp>
+        <p:nvCxnSpPr>
+          <p:cNvPr id="77" name="Elbow Connector 70"/>
+          <p:cNvCxnSpPr>
+            <a:stCxn id="69" idx="3"/>
+            <a:endCxn id="74" idx="1"/>
+          </p:cNvCxnSpPr>
+          <p:nvPr/>
+        </p:nvCxnSpPr>
+        <p:spPr>
+          <a:xfrm>
+            <a:off x="7567766" y="5058990"/>
+            <a:ext cx="411652" cy="86690"/>
+          </a:xfrm>
+          <a:prstGeom prst="bentConnector3">
+            <a:avLst>
+              <a:gd name="adj1" fmla="val 50000"/>
+            </a:avLst>
+          </a:prstGeom>
+          <a:ln w="19050">
+            <a:headEnd type="none" w="med" len="med"/>
+            <a:tailEnd type="arrow" w="med" len="med"/>
+          </a:ln>
+          <a:effectLst/>
+        </p:spPr>
+        <p:style>
+          <a:lnRef idx="1">
+            <a:schemeClr val="accent4"/>
+          </a:lnRef>
+          <a:fillRef idx="2">
+            <a:schemeClr val="accent4"/>
+          </a:fillRef>
+          <a:effectRef idx="1">
+            <a:schemeClr val="accent4"/>
           </a:effectRef>
           <a:fontRef idx="minor">
             <a:schemeClr val="dk1"/>

--- a/doc/Diagrams.pptx
+++ b/doc/Diagrams.pptx
@@ -106,6 +106,22 @@
       </a:defRPr>
     </a:lvl9pPr>
   </p:defaultTextStyle>
+  <p:extLst>
+    <p:ext uri="{EFAFB233-063F-42B5-8137-9DF3F51BA10A}">
+      <p15:sldGuideLst xmlns:p15="http://schemas.microsoft.com/office/powerpoint/2012/main">
+        <p15:guide id="1" orient="horz" pos="2160">
+          <p15:clr>
+            <a:srgbClr val="A4A3A4"/>
+          </p15:clr>
+        </p15:guide>
+        <p15:guide id="2" pos="2880">
+          <p15:clr>
+            <a:srgbClr val="A4A3A4"/>
+          </p15:clr>
+        </p15:guide>
+      </p15:sldGuideLst>
+    </p:ext>
+  </p:extLst>
 </p:presentation>
 </file>
 
@@ -290,7 +306,7 @@
           <a:p>
             <a:fld id="{78C97017-6FC3-485B-9764-EAC9E56C1D49}" type="datetimeFigureOut">
               <a:rPr lang="en-US" smtClean="0"/>
-              <a:t>8/28/2016</a:t>
+              <a:t>9/3/16</a:t>
             </a:fld>
             <a:endParaRPr lang="en-US"/>
           </a:p>
@@ -460,7 +476,7 @@
           <a:p>
             <a:fld id="{78C97017-6FC3-485B-9764-EAC9E56C1D49}" type="datetimeFigureOut">
               <a:rPr lang="en-US" smtClean="0"/>
-              <a:t>8/28/2016</a:t>
+              <a:t>9/3/16</a:t>
             </a:fld>
             <a:endParaRPr lang="en-US"/>
           </a:p>
@@ -640,7 +656,7 @@
           <a:p>
             <a:fld id="{78C97017-6FC3-485B-9764-EAC9E56C1D49}" type="datetimeFigureOut">
               <a:rPr lang="en-US" smtClean="0"/>
-              <a:t>8/28/2016</a:t>
+              <a:t>9/3/16</a:t>
             </a:fld>
             <a:endParaRPr lang="en-US"/>
           </a:p>
@@ -810,7 +826,7 @@
           <a:p>
             <a:fld id="{78C97017-6FC3-485B-9764-EAC9E56C1D49}" type="datetimeFigureOut">
               <a:rPr lang="en-US" smtClean="0"/>
-              <a:t>8/28/2016</a:t>
+              <a:t>9/3/16</a:t>
             </a:fld>
             <a:endParaRPr lang="en-US"/>
           </a:p>
@@ -1056,7 +1072,7 @@
           <a:p>
             <a:fld id="{78C97017-6FC3-485B-9764-EAC9E56C1D49}" type="datetimeFigureOut">
               <a:rPr lang="en-US" smtClean="0"/>
-              <a:t>8/28/2016</a:t>
+              <a:t>9/3/16</a:t>
             </a:fld>
             <a:endParaRPr lang="en-US"/>
           </a:p>
@@ -1344,7 +1360,7 @@
           <a:p>
             <a:fld id="{78C97017-6FC3-485B-9764-EAC9E56C1D49}" type="datetimeFigureOut">
               <a:rPr lang="en-US" smtClean="0"/>
-              <a:t>8/28/2016</a:t>
+              <a:t>9/3/16</a:t>
             </a:fld>
             <a:endParaRPr lang="en-US"/>
           </a:p>
@@ -1766,7 +1782,7 @@
           <a:p>
             <a:fld id="{78C97017-6FC3-485B-9764-EAC9E56C1D49}" type="datetimeFigureOut">
               <a:rPr lang="en-US" smtClean="0"/>
-              <a:t>8/28/2016</a:t>
+              <a:t>9/3/16</a:t>
             </a:fld>
             <a:endParaRPr lang="en-US"/>
           </a:p>
@@ -1884,7 +1900,7 @@
           <a:p>
             <a:fld id="{78C97017-6FC3-485B-9764-EAC9E56C1D49}" type="datetimeFigureOut">
               <a:rPr lang="en-US" smtClean="0"/>
-              <a:t>8/28/2016</a:t>
+              <a:t>9/3/16</a:t>
             </a:fld>
             <a:endParaRPr lang="en-US"/>
           </a:p>
@@ -1979,7 +1995,7 @@
           <a:p>
             <a:fld id="{78C97017-6FC3-485B-9764-EAC9E56C1D49}" type="datetimeFigureOut">
               <a:rPr lang="en-US" smtClean="0"/>
-              <a:t>8/28/2016</a:t>
+              <a:t>9/3/16</a:t>
             </a:fld>
             <a:endParaRPr lang="en-US"/>
           </a:p>
@@ -2256,7 +2272,7 @@
           <a:p>
             <a:fld id="{78C97017-6FC3-485B-9764-EAC9E56C1D49}" type="datetimeFigureOut">
               <a:rPr lang="en-US" smtClean="0"/>
-              <a:t>8/28/2016</a:t>
+              <a:t>9/3/16</a:t>
             </a:fld>
             <a:endParaRPr lang="en-US"/>
           </a:p>
@@ -2509,7 +2525,7 @@
           <a:p>
             <a:fld id="{78C97017-6FC3-485B-9764-EAC9E56C1D49}" type="datetimeFigureOut">
               <a:rPr lang="en-US" smtClean="0"/>
-              <a:t>8/28/2016</a:t>
+              <a:t>9/3/16</a:t>
             </a:fld>
             <a:endParaRPr lang="en-US"/>
           </a:p>
@@ -2722,7 +2738,7 @@
           <a:p>
             <a:fld id="{78C97017-6FC3-485B-9764-EAC9E56C1D49}" type="datetimeFigureOut">
               <a:rPr lang="en-US" smtClean="0"/>
-              <a:t>8/28/2016</a:t>
+              <a:t>9/3/16</a:t>
             </a:fld>
             <a:endParaRPr lang="en-US"/>
           </a:p>
@@ -5754,6 +5770,186 @@
           </a:fillRef>
           <a:effectRef idx="1">
             <a:schemeClr val="accent2"/>
+          </a:effectRef>
+          <a:fontRef idx="minor">
+            <a:schemeClr val="dk1"/>
+          </a:fontRef>
+        </p:style>
+      </p:cxnSp>
+      <p:sp>
+        <p:nvSpPr>
+          <p:cNvPr id="63" name="Rectangle 6"/>
+          <p:cNvSpPr/>
+          <p:nvPr/>
+        </p:nvSpPr>
+        <p:spPr>
+          <a:xfrm>
+            <a:off x="7909763" y="3485507"/>
+            <a:ext cx="929296" cy="342611"/>
+          </a:xfrm>
+          <a:prstGeom prst="rect">
+            <a:avLst/>
+          </a:prstGeom>
+          <a:ln w="19050"/>
+          <a:effectLst/>
+        </p:spPr>
+        <p:style>
+          <a:lnRef idx="1">
+            <a:schemeClr val="accent4"/>
+          </a:lnRef>
+          <a:fillRef idx="2">
+            <a:schemeClr val="accent4"/>
+          </a:fillRef>
+          <a:effectRef idx="1">
+            <a:schemeClr val="accent4"/>
+          </a:effectRef>
+          <a:fontRef idx="minor">
+            <a:schemeClr val="dk1"/>
+          </a:fontRef>
+        </p:style>
+        <p:txBody>
+          <a:bodyPr rtlCol="0" anchor="ctr"/>
+          <a:lstStyle/>
+          <a:p>
+            <a:pPr algn="ctr"/>
+            <a:r>
+              <a:rPr lang="en-SG" sz="1050" dirty="0" smtClean="0"/>
+              <a:t>Contact</a:t>
+            </a:r>
+            <a:endParaRPr lang="en-SG" sz="1050" dirty="0"/>
+          </a:p>
+        </p:txBody>
+      </p:sp>
+      <p:sp>
+        <p:nvSpPr>
+          <p:cNvPr id="64" name="Isosceles Triangle 24"/>
+          <p:cNvSpPr/>
+          <p:nvPr/>
+        </p:nvSpPr>
+        <p:spPr>
+          <a:xfrm>
+            <a:off x="8251540" y="3829653"/>
+            <a:ext cx="270504" cy="175523"/>
+          </a:xfrm>
+          <a:prstGeom prst="triangle">
+            <a:avLst/>
+          </a:prstGeom>
+          <a:ln w="19050"/>
+          <a:effectLst/>
+        </p:spPr>
+        <p:style>
+          <a:lnRef idx="1">
+            <a:schemeClr val="accent4"/>
+          </a:lnRef>
+          <a:fillRef idx="2">
+            <a:schemeClr val="accent4"/>
+          </a:fillRef>
+          <a:effectRef idx="1">
+            <a:schemeClr val="accent4"/>
+          </a:effectRef>
+          <a:fontRef idx="minor">
+            <a:schemeClr val="dk1"/>
+          </a:fontRef>
+        </p:style>
+        <p:txBody>
+          <a:bodyPr rtlCol="0" anchor="ctr"/>
+          <a:lstStyle/>
+          <a:p>
+            <a:pPr algn="ctr"/>
+            <a:endParaRPr lang="en-SG" sz="1050"/>
+          </a:p>
+        </p:txBody>
+      </p:sp>
+      <p:cxnSp>
+        <p:nvCxnSpPr>
+          <p:cNvPr id="66" name="Elbow Connector 25"/>
+          <p:cNvCxnSpPr/>
+          <p:nvPr/>
+        </p:nvCxnSpPr>
+        <p:spPr>
+          <a:xfrm rot="5400000">
+            <a:off x="7720115" y="4011039"/>
+            <a:ext cx="672540" cy="660814"/>
+          </a:xfrm>
+          <a:prstGeom prst="bentConnector2">
+            <a:avLst/>
+          </a:prstGeom>
+          <a:ln w="19050"/>
+          <a:effectLst/>
+        </p:spPr>
+        <p:style>
+          <a:lnRef idx="1">
+            <a:schemeClr val="accent4"/>
+          </a:lnRef>
+          <a:fillRef idx="2">
+            <a:schemeClr val="accent4"/>
+          </a:fillRef>
+          <a:effectRef idx="1">
+            <a:schemeClr val="accent4"/>
+          </a:effectRef>
+          <a:fontRef idx="minor">
+            <a:schemeClr val="dk1"/>
+          </a:fontRef>
+        </p:style>
+      </p:cxnSp>
+      <p:cxnSp>
+        <p:nvCxnSpPr>
+          <p:cNvPr id="69" name="Elbow Connector 26"/>
+          <p:cNvCxnSpPr/>
+          <p:nvPr/>
+        </p:nvCxnSpPr>
+        <p:spPr>
+          <a:xfrm rot="5400000">
+            <a:off x="7942550" y="3773950"/>
+            <a:ext cx="213017" cy="675468"/>
+          </a:xfrm>
+          <a:prstGeom prst="bentConnector2">
+            <a:avLst/>
+          </a:prstGeom>
+          <a:ln w="19050"/>
+          <a:effectLst/>
+        </p:spPr>
+        <p:style>
+          <a:lnRef idx="1">
+            <a:schemeClr val="accent4"/>
+          </a:lnRef>
+          <a:fillRef idx="2">
+            <a:schemeClr val="accent4"/>
+          </a:fillRef>
+          <a:effectRef idx="1">
+            <a:schemeClr val="accent4"/>
+          </a:effectRef>
+          <a:fontRef idx="minor">
+            <a:schemeClr val="dk1"/>
+          </a:fontRef>
+        </p:style>
+      </p:cxnSp>
+      <p:cxnSp>
+        <p:nvCxnSpPr>
+          <p:cNvPr id="72" name="Elbow Connector 29"/>
+          <p:cNvCxnSpPr/>
+          <p:nvPr/>
+        </p:nvCxnSpPr>
+        <p:spPr>
+          <a:xfrm rot="5400000">
+            <a:off x="7491515" y="4239639"/>
+            <a:ext cx="1129740" cy="660814"/>
+          </a:xfrm>
+          <a:prstGeom prst="bentConnector2">
+            <a:avLst/>
+          </a:prstGeom>
+          <a:ln w="19050"/>
+          <a:effectLst/>
+        </p:spPr>
+        <p:style>
+          <a:lnRef idx="1">
+            <a:schemeClr val="accent4"/>
+          </a:lnRef>
+          <a:fillRef idx="2">
+            <a:schemeClr val="accent4"/>
+          </a:fillRef>
+          <a:effectRef idx="1">
+            <a:schemeClr val="accent4"/>
           </a:effectRef>
           <a:fontRef idx="minor">
             <a:schemeClr val="dk1"/>

--- a/doc/Diagrams.pptx
+++ b/doc/Diagrams.pptx
@@ -9,7 +9,7 @@
     <p:sldId id="257" r:id="rId3"/>
     <p:sldId id="258" r:id="rId4"/>
   </p:sldIdLst>
-  <p:sldSz cx="9144000" cy="6858000" type="screen4x3"/>
+  <p:sldSz cx="12192000" cy="6858000"/>
   <p:notesSz cx="6858000" cy="9144000"/>
   <p:defaultTextStyle>
     <a:defPPr>
@@ -106,6 +106,22 @@
       </a:defRPr>
     </a:lvl9pPr>
   </p:defaultTextStyle>
+  <p:extLst>
+    <p:ext uri="{EFAFB233-063F-42B5-8137-9DF3F51BA10A}">
+      <p15:sldGuideLst xmlns:p15="http://schemas.microsoft.com/office/powerpoint/2012/main">
+        <p15:guide id="1" orient="horz" pos="2160" userDrawn="1">
+          <p15:clr>
+            <a:srgbClr val="A4A3A4"/>
+          </p15:clr>
+        </p15:guide>
+        <p15:guide id="2" pos="3840" userDrawn="1">
+          <p15:clr>
+            <a:srgbClr val="A4A3A4"/>
+          </p15:clr>
+        </p15:guide>
+      </p15:sldGuideLst>
+    </p:ext>
+  </p:extLst>
 </p:presentation>
 </file>
 
@@ -138,8 +154,8 @@
         </p:nvSpPr>
         <p:spPr>
           <a:xfrm>
-            <a:off x="685800" y="2130425"/>
-            <a:ext cx="7772400" cy="1470025"/>
+            <a:off x="914400" y="2130426"/>
+            <a:ext cx="10363200" cy="1470025"/>
           </a:xfrm>
         </p:spPr>
         <p:txBody>
@@ -166,8 +182,8 @@
         </p:nvSpPr>
         <p:spPr>
           <a:xfrm>
-            <a:off x="1371600" y="3886200"/>
-            <a:ext cx="6400800" cy="1752600"/>
+            <a:off x="1828800" y="3886200"/>
+            <a:ext cx="8534400" cy="1752600"/>
           </a:xfrm>
         </p:spPr>
         <p:txBody>
@@ -290,7 +306,7 @@
           <a:p>
             <a:fld id="{78C97017-6FC3-485B-9764-EAC9E56C1D49}" type="datetimeFigureOut">
               <a:rPr lang="en-US" smtClean="0"/>
-              <a:t>8/28/2016</a:t>
+              <a:t>9/4/16</a:t>
             </a:fld>
             <a:endParaRPr lang="en-US"/>
           </a:p>
@@ -460,7 +476,7 @@
           <a:p>
             <a:fld id="{78C97017-6FC3-485B-9764-EAC9E56C1D49}" type="datetimeFigureOut">
               <a:rPr lang="en-US" smtClean="0"/>
-              <a:t>8/28/2016</a:t>
+              <a:t>9/4/16</a:t>
             </a:fld>
             <a:endParaRPr lang="en-US"/>
           </a:p>
@@ -550,8 +566,8 @@
         </p:nvSpPr>
         <p:spPr>
           <a:xfrm>
-            <a:off x="6629400" y="274638"/>
-            <a:ext cx="2057400" cy="5851525"/>
+            <a:off x="8839200" y="274639"/>
+            <a:ext cx="2743200" cy="5851525"/>
           </a:xfrm>
         </p:spPr>
         <p:txBody>
@@ -578,8 +594,8 @@
         </p:nvSpPr>
         <p:spPr>
           <a:xfrm>
-            <a:off x="457200" y="274638"/>
-            <a:ext cx="6019800" cy="5851525"/>
+            <a:off x="609600" y="274639"/>
+            <a:ext cx="8026400" cy="5851525"/>
           </a:xfrm>
         </p:spPr>
         <p:txBody>
@@ -640,7 +656,7 @@
           <a:p>
             <a:fld id="{78C97017-6FC3-485B-9764-EAC9E56C1D49}" type="datetimeFigureOut">
               <a:rPr lang="en-US" smtClean="0"/>
-              <a:t>8/28/2016</a:t>
+              <a:t>9/4/16</a:t>
             </a:fld>
             <a:endParaRPr lang="en-US"/>
           </a:p>
@@ -810,7 +826,7 @@
           <a:p>
             <a:fld id="{78C97017-6FC3-485B-9764-EAC9E56C1D49}" type="datetimeFigureOut">
               <a:rPr lang="en-US" smtClean="0"/>
-              <a:t>8/28/2016</a:t>
+              <a:t>9/4/16</a:t>
             </a:fld>
             <a:endParaRPr lang="en-US"/>
           </a:p>
@@ -900,8 +916,8 @@
         </p:nvSpPr>
         <p:spPr>
           <a:xfrm>
-            <a:off x="722313" y="4406900"/>
-            <a:ext cx="7772400" cy="1362075"/>
+            <a:off x="963084" y="4406901"/>
+            <a:ext cx="10363200" cy="1362075"/>
           </a:xfrm>
         </p:spPr>
         <p:txBody>
@@ -932,8 +948,8 @@
         </p:nvSpPr>
         <p:spPr>
           <a:xfrm>
-            <a:off x="722313" y="2906713"/>
-            <a:ext cx="7772400" cy="1500187"/>
+            <a:off x="963084" y="2906713"/>
+            <a:ext cx="10363200" cy="1500187"/>
           </a:xfrm>
         </p:spPr>
         <p:txBody>
@@ -1056,7 +1072,7 @@
           <a:p>
             <a:fld id="{78C97017-6FC3-485B-9764-EAC9E56C1D49}" type="datetimeFigureOut">
               <a:rPr lang="en-US" smtClean="0"/>
-              <a:t>8/28/2016</a:t>
+              <a:t>9/4/16</a:t>
             </a:fld>
             <a:endParaRPr lang="en-US"/>
           </a:p>
@@ -1169,8 +1185,8 @@
         </p:nvSpPr>
         <p:spPr>
           <a:xfrm>
-            <a:off x="457200" y="1600200"/>
-            <a:ext cx="4038600" cy="4525963"/>
+            <a:off x="609600" y="1600201"/>
+            <a:ext cx="5384800" cy="4525963"/>
           </a:xfrm>
         </p:spPr>
         <p:txBody>
@@ -1254,8 +1270,8 @@
         </p:nvSpPr>
         <p:spPr>
           <a:xfrm>
-            <a:off x="4648200" y="1600200"/>
-            <a:ext cx="4038600" cy="4525963"/>
+            <a:off x="6197600" y="1600201"/>
+            <a:ext cx="5384800" cy="4525963"/>
           </a:xfrm>
         </p:spPr>
         <p:txBody>
@@ -1344,7 +1360,7 @@
           <a:p>
             <a:fld id="{78C97017-6FC3-485B-9764-EAC9E56C1D49}" type="datetimeFigureOut">
               <a:rPr lang="en-US" smtClean="0"/>
-              <a:t>8/28/2016</a:t>
+              <a:t>9/4/16</a:t>
             </a:fld>
             <a:endParaRPr lang="en-US"/>
           </a:p>
@@ -1461,8 +1477,8 @@
         </p:nvSpPr>
         <p:spPr>
           <a:xfrm>
-            <a:off x="457200" y="1535113"/>
-            <a:ext cx="4040188" cy="639762"/>
+            <a:off x="609600" y="1535113"/>
+            <a:ext cx="5386917" cy="639762"/>
           </a:xfrm>
         </p:spPr>
         <p:txBody>
@@ -1526,8 +1542,8 @@
         </p:nvSpPr>
         <p:spPr>
           <a:xfrm>
-            <a:off x="457200" y="2174875"/>
-            <a:ext cx="4040188" cy="3951288"/>
+            <a:off x="609600" y="2174875"/>
+            <a:ext cx="5386917" cy="3951288"/>
           </a:xfrm>
         </p:spPr>
         <p:txBody>
@@ -1611,8 +1627,8 @@
         </p:nvSpPr>
         <p:spPr>
           <a:xfrm>
-            <a:off x="4645025" y="1535113"/>
-            <a:ext cx="4041775" cy="639762"/>
+            <a:off x="6193368" y="1535113"/>
+            <a:ext cx="5389033" cy="639762"/>
           </a:xfrm>
         </p:spPr>
         <p:txBody>
@@ -1676,8 +1692,8 @@
         </p:nvSpPr>
         <p:spPr>
           <a:xfrm>
-            <a:off x="4645025" y="2174875"/>
-            <a:ext cx="4041775" cy="3951288"/>
+            <a:off x="6193368" y="2174875"/>
+            <a:ext cx="5389033" cy="3951288"/>
           </a:xfrm>
         </p:spPr>
         <p:txBody>
@@ -1766,7 +1782,7 @@
           <a:p>
             <a:fld id="{78C97017-6FC3-485B-9764-EAC9E56C1D49}" type="datetimeFigureOut">
               <a:rPr lang="en-US" smtClean="0"/>
-              <a:t>8/28/2016</a:t>
+              <a:t>9/4/16</a:t>
             </a:fld>
             <a:endParaRPr lang="en-US"/>
           </a:p>
@@ -1884,7 +1900,7 @@
           <a:p>
             <a:fld id="{78C97017-6FC3-485B-9764-EAC9E56C1D49}" type="datetimeFigureOut">
               <a:rPr lang="en-US" smtClean="0"/>
-              <a:t>8/28/2016</a:t>
+              <a:t>9/4/16</a:t>
             </a:fld>
             <a:endParaRPr lang="en-US"/>
           </a:p>
@@ -1979,7 +1995,7 @@
           <a:p>
             <a:fld id="{78C97017-6FC3-485B-9764-EAC9E56C1D49}" type="datetimeFigureOut">
               <a:rPr lang="en-US" smtClean="0"/>
-              <a:t>8/28/2016</a:t>
+              <a:t>9/4/16</a:t>
             </a:fld>
             <a:endParaRPr lang="en-US"/>
           </a:p>
@@ -2069,8 +2085,8 @@
         </p:nvSpPr>
         <p:spPr>
           <a:xfrm>
-            <a:off x="457200" y="273050"/>
-            <a:ext cx="3008313" cy="1162050"/>
+            <a:off x="609601" y="273050"/>
+            <a:ext cx="4011084" cy="1162050"/>
           </a:xfrm>
         </p:spPr>
         <p:txBody>
@@ -2101,8 +2117,8 @@
         </p:nvSpPr>
         <p:spPr>
           <a:xfrm>
-            <a:off x="3575050" y="273050"/>
-            <a:ext cx="5111750" cy="5853113"/>
+            <a:off x="4766733" y="273051"/>
+            <a:ext cx="6815667" cy="5853113"/>
           </a:xfrm>
         </p:spPr>
         <p:txBody>
@@ -2186,8 +2202,8 @@
         </p:nvSpPr>
         <p:spPr>
           <a:xfrm>
-            <a:off x="457200" y="1435100"/>
-            <a:ext cx="3008313" cy="4691063"/>
+            <a:off x="609601" y="1435101"/>
+            <a:ext cx="4011084" cy="4691063"/>
           </a:xfrm>
         </p:spPr>
         <p:txBody>
@@ -2256,7 +2272,7 @@
           <a:p>
             <a:fld id="{78C97017-6FC3-485B-9764-EAC9E56C1D49}" type="datetimeFigureOut">
               <a:rPr lang="en-US" smtClean="0"/>
-              <a:t>8/28/2016</a:t>
+              <a:t>9/4/16</a:t>
             </a:fld>
             <a:endParaRPr lang="en-US"/>
           </a:p>
@@ -2346,8 +2362,8 @@
         </p:nvSpPr>
         <p:spPr>
           <a:xfrm>
-            <a:off x="1792288" y="4800600"/>
-            <a:ext cx="5486400" cy="566738"/>
+            <a:off x="2389717" y="4800600"/>
+            <a:ext cx="7315200" cy="566738"/>
           </a:xfrm>
         </p:spPr>
         <p:txBody>
@@ -2378,8 +2394,8 @@
         </p:nvSpPr>
         <p:spPr>
           <a:xfrm>
-            <a:off x="1792288" y="612775"/>
-            <a:ext cx="5486400" cy="4114800"/>
+            <a:off x="2389717" y="612775"/>
+            <a:ext cx="7315200" cy="4114800"/>
           </a:xfrm>
         </p:spPr>
         <p:txBody>
@@ -2439,8 +2455,8 @@
         </p:nvSpPr>
         <p:spPr>
           <a:xfrm>
-            <a:off x="1792288" y="5367338"/>
-            <a:ext cx="5486400" cy="804862"/>
+            <a:off x="2389717" y="5367338"/>
+            <a:ext cx="7315200" cy="804862"/>
           </a:xfrm>
         </p:spPr>
         <p:txBody>
@@ -2509,7 +2525,7 @@
           <a:p>
             <a:fld id="{78C97017-6FC3-485B-9764-EAC9E56C1D49}" type="datetimeFigureOut">
               <a:rPr lang="en-US" smtClean="0"/>
-              <a:t>8/28/2016</a:t>
+              <a:t>9/4/16</a:t>
             </a:fld>
             <a:endParaRPr lang="en-US"/>
           </a:p>
@@ -2604,8 +2620,8 @@
         </p:nvSpPr>
         <p:spPr>
           <a:xfrm>
-            <a:off x="457200" y="274638"/>
-            <a:ext cx="8229600" cy="1143000"/>
+            <a:off x="609600" y="274638"/>
+            <a:ext cx="10972800" cy="1143000"/>
           </a:xfrm>
           <a:prstGeom prst="rect">
             <a:avLst/>
@@ -2637,8 +2653,8 @@
         </p:nvSpPr>
         <p:spPr>
           <a:xfrm>
-            <a:off x="457200" y="1600200"/>
-            <a:ext cx="8229600" cy="4525963"/>
+            <a:off x="609600" y="1600201"/>
+            <a:ext cx="10972800" cy="4525963"/>
           </a:xfrm>
           <a:prstGeom prst="rect">
             <a:avLst/>
@@ -2699,8 +2715,8 @@
         </p:nvSpPr>
         <p:spPr>
           <a:xfrm>
-            <a:off x="457200" y="6356350"/>
-            <a:ext cx="2133600" cy="365125"/>
+            <a:off x="609600" y="6356351"/>
+            <a:ext cx="2844800" cy="365125"/>
           </a:xfrm>
           <a:prstGeom prst="rect">
             <a:avLst/>
@@ -2722,7 +2738,7 @@
           <a:p>
             <a:fld id="{78C97017-6FC3-485B-9764-EAC9E56C1D49}" type="datetimeFigureOut">
               <a:rPr lang="en-US" smtClean="0"/>
-              <a:t>8/28/2016</a:t>
+              <a:t>9/4/16</a:t>
             </a:fld>
             <a:endParaRPr lang="en-US"/>
           </a:p>
@@ -2740,8 +2756,8 @@
         </p:nvSpPr>
         <p:spPr>
           <a:xfrm>
-            <a:off x="3124200" y="6356350"/>
-            <a:ext cx="2895600" cy="365125"/>
+            <a:off x="4165600" y="6356351"/>
+            <a:ext cx="3860800" cy="365125"/>
           </a:xfrm>
           <a:prstGeom prst="rect">
             <a:avLst/>
@@ -2777,8 +2793,8 @@
         </p:nvSpPr>
         <p:spPr>
           <a:xfrm>
-            <a:off x="6553200" y="6356350"/>
-            <a:ext cx="2133600" cy="365125"/>
+            <a:off x="8737600" y="6356351"/>
+            <a:ext cx="2844800" cy="365125"/>
           </a:xfrm>
           <a:prstGeom prst="rect">
             <a:avLst/>
@@ -3157,6 +3173,13 @@
   <p:clrMapOvr>
     <a:masterClrMapping/>
   </p:clrMapOvr>
+  <p:timing>
+    <p:tnLst>
+      <p:par>
+        <p:cTn id="1" dur="indefinite" restart="never" nodeType="tmRoot"/>
+      </p:par>
+    </p:tnLst>
+  </p:timing>
 </p:sld>
 </file>
 
@@ -3185,7 +3208,7 @@
         </p:nvSpPr>
         <p:spPr>
           <a:xfrm>
-            <a:off x="761999" y="5141640"/>
+            <a:off x="1779168" y="5164763"/>
             <a:ext cx="929296" cy="346760"/>
           </a:xfrm>
           <a:prstGeom prst="rect">
@@ -3214,7 +3237,7 @@
           <a:p>
             <a:pPr algn="ctr"/>
             <a:r>
-              <a:rPr lang="en-US" sz="1050" dirty="0" err="1" smtClean="0"/>
+              <a:rPr lang="en-US" sz="1050" dirty="0" err="1"/>
               <a:t>TextUi</a:t>
             </a:r>
             <a:endParaRPr lang="en-SG" sz="1050" dirty="0"/>
@@ -3229,7 +3252,7 @@
         </p:nvSpPr>
         <p:spPr>
           <a:xfrm>
-            <a:off x="762000" y="3747060"/>
+            <a:off x="1779169" y="3770183"/>
             <a:ext cx="929296" cy="346760"/>
           </a:xfrm>
           <a:prstGeom prst="rect">
@@ -3265,7 +3288,7 @@
           <a:p>
             <a:pPr algn="ctr"/>
             <a:r>
-              <a:rPr lang="en-US" sz="1050" dirty="0" smtClean="0">
+              <a:rPr lang="en-US" sz="1050" dirty="0">
                 <a:solidFill>
                   <a:schemeClr val="bg1"/>
                 </a:solidFill>
@@ -3288,7 +3311,7 @@
         </p:nvSpPr>
         <p:spPr>
           <a:xfrm>
-            <a:off x="2064848" y="3747060"/>
+            <a:off x="3082017" y="3770183"/>
             <a:ext cx="929296" cy="346760"/>
           </a:xfrm>
           <a:prstGeom prst="rect">
@@ -3332,7 +3355,7 @@
         </p:nvSpPr>
         <p:spPr>
           <a:xfrm>
-            <a:off x="1447800" y="3006040"/>
+            <a:off x="2464970" y="3029163"/>
             <a:ext cx="634723" cy="346760"/>
           </a:xfrm>
           <a:prstGeom prst="rect">
@@ -3361,7 +3384,7 @@
           <a:p>
             <a:pPr algn="ctr"/>
             <a:r>
-              <a:rPr lang="en-US" sz="1050" dirty="0" smtClean="0"/>
+              <a:rPr lang="en-US" sz="1050" dirty="0"/>
               <a:t>Parser</a:t>
             </a:r>
             <a:endParaRPr lang="en-SG" sz="1050" dirty="0"/>
@@ -3376,7 +3399,7 @@
         </p:nvSpPr>
         <p:spPr>
           <a:xfrm>
-            <a:off x="3681046" y="3032560"/>
+            <a:off x="4698215" y="3055683"/>
             <a:ext cx="929296" cy="346760"/>
           </a:xfrm>
           <a:prstGeom prst="rect">
@@ -3405,14 +3428,14 @@
           <a:p>
             <a:pPr algn="ctr"/>
             <a:r>
-              <a:rPr lang="en-US" sz="1050" dirty="0" smtClean="0"/>
+              <a:rPr lang="en-US" sz="1050" dirty="0"/>
               <a:t>Unique</a:t>
             </a:r>
             <a:br>
-              <a:rPr lang="en-US" sz="1050" dirty="0" smtClean="0"/>
+              <a:rPr lang="en-US" sz="1050" dirty="0"/>
             </a:br>
             <a:r>
-              <a:rPr lang="en-US" sz="1050" dirty="0" err="1" smtClean="0"/>
+              <a:rPr lang="en-US" sz="1050" dirty="0" err="1"/>
               <a:t>TagList</a:t>
             </a:r>
             <a:endParaRPr lang="en-SG" sz="1050" dirty="0"/>
@@ -3427,7 +3450,7 @@
         </p:nvSpPr>
         <p:spPr>
           <a:xfrm>
-            <a:off x="3654669" y="4352685"/>
+            <a:off x="4671838" y="4375808"/>
             <a:ext cx="929296" cy="346760"/>
           </a:xfrm>
           <a:prstGeom prst="rect">
@@ -3456,14 +3479,14 @@
           <a:p>
             <a:pPr algn="ctr"/>
             <a:r>
-              <a:rPr lang="en-US" sz="1050" dirty="0" smtClean="0"/>
+              <a:rPr lang="en-US" sz="1050" dirty="0"/>
               <a:t>Unique</a:t>
             </a:r>
             <a:br>
-              <a:rPr lang="en-US" sz="1050" dirty="0" smtClean="0"/>
+              <a:rPr lang="en-US" sz="1050" dirty="0"/>
             </a:br>
             <a:r>
-              <a:rPr lang="en-US" sz="1050" dirty="0" err="1" smtClean="0"/>
+              <a:rPr lang="en-US" sz="1050" dirty="0" err="1"/>
               <a:t>PersonList</a:t>
             </a:r>
             <a:endParaRPr lang="en-SG" sz="1050" dirty="0"/>
@@ -3478,7 +3501,7 @@
         </p:nvSpPr>
         <p:spPr>
           <a:xfrm>
-            <a:off x="5219458" y="4352685"/>
+            <a:off x="6236627" y="4375808"/>
             <a:ext cx="929296" cy="346760"/>
           </a:xfrm>
           <a:prstGeom prst="rect">
@@ -3507,7 +3530,7 @@
           <a:p>
             <a:pPr algn="ctr"/>
             <a:r>
-              <a:rPr lang="en-US" sz="1050" dirty="0" smtClean="0"/>
+              <a:rPr lang="en-US" sz="1050" dirty="0"/>
               <a:t>Person</a:t>
             </a:r>
             <a:endParaRPr lang="en-SG" sz="1050" dirty="0"/>
@@ -3522,7 +3545,7 @@
         </p:nvSpPr>
         <p:spPr>
           <a:xfrm>
-            <a:off x="6781800" y="4036277"/>
+            <a:off x="7798969" y="4059400"/>
             <a:ext cx="929296" cy="346760"/>
           </a:xfrm>
           <a:prstGeom prst="rect">
@@ -3551,7 +3574,7 @@
           <a:p>
             <a:pPr algn="ctr"/>
             <a:r>
-              <a:rPr lang="en-US" sz="1050" dirty="0" smtClean="0"/>
+              <a:rPr lang="en-US" sz="1050" dirty="0"/>
               <a:t>Phone</a:t>
             </a:r>
             <a:endParaRPr lang="en-SG" sz="1050" dirty="0"/>
@@ -3566,7 +3589,7 @@
         </p:nvSpPr>
         <p:spPr>
           <a:xfrm>
-            <a:off x="6796454" y="4495800"/>
+            <a:off x="7813623" y="4518923"/>
             <a:ext cx="929296" cy="346760"/>
           </a:xfrm>
           <a:prstGeom prst="rect">
@@ -3595,7 +3618,7 @@
           <a:p>
             <a:pPr algn="ctr"/>
             <a:r>
-              <a:rPr lang="en-US" sz="1050" dirty="0" smtClean="0"/>
+              <a:rPr lang="en-US" sz="1050" dirty="0"/>
               <a:t>Email</a:t>
             </a:r>
             <a:endParaRPr lang="en-SG" sz="1050" dirty="0"/>
@@ -3610,7 +3633,7 @@
         </p:nvSpPr>
         <p:spPr>
           <a:xfrm>
-            <a:off x="6796454" y="4953000"/>
+            <a:off x="7813623" y="4976123"/>
             <a:ext cx="929296" cy="346760"/>
           </a:xfrm>
           <a:prstGeom prst="rect">
@@ -3639,7 +3662,7 @@
           <a:p>
             <a:pPr algn="ctr"/>
             <a:r>
-              <a:rPr lang="en-US" sz="1050" dirty="0" smtClean="0"/>
+              <a:rPr lang="en-US" sz="1050" dirty="0"/>
               <a:t>Address</a:t>
             </a:r>
             <a:endParaRPr lang="en-SG" sz="1050" dirty="0"/>
@@ -3654,7 +3677,7 @@
         </p:nvSpPr>
         <p:spPr>
           <a:xfrm>
-            <a:off x="1153227" y="4460471"/>
+            <a:off x="2170396" y="4483594"/>
             <a:ext cx="929296" cy="346760"/>
           </a:xfrm>
           <a:prstGeom prst="rect">
@@ -3683,7 +3706,7 @@
           <a:p>
             <a:pPr algn="ctr"/>
             <a:r>
-              <a:rPr lang="en-US" sz="1050" dirty="0" err="1" smtClean="0"/>
+              <a:rPr lang="en-US" sz="1050" dirty="0" err="1"/>
               <a:t>StorageFile</a:t>
             </a:r>
             <a:endParaRPr lang="en-SG" sz="1050" dirty="0"/>
@@ -3698,7 +3721,7 @@
         </p:nvCxnSpPr>
         <p:spPr>
           <a:xfrm rot="5400000">
-            <a:off x="321738" y="4617731"/>
+            <a:off x="1338907" y="4640855"/>
             <a:ext cx="1047820" cy="1"/>
           </a:xfrm>
           <a:prstGeom prst="bentConnector3">
@@ -3741,7 +3764,7 @@
         </p:nvCxnSpPr>
         <p:spPr>
           <a:xfrm rot="5400000" flipH="1" flipV="1">
-            <a:off x="1053404" y="3352664"/>
+            <a:off x="2070573" y="3375787"/>
             <a:ext cx="567640" cy="221152"/>
           </a:xfrm>
           <a:prstGeom prst="bentConnector2">
@@ -3780,7 +3803,7 @@
         </p:nvCxnSpPr>
         <p:spPr>
           <a:xfrm rot="16200000" flipH="1">
-            <a:off x="809847" y="4297627"/>
+            <a:off x="1827016" y="4320751"/>
             <a:ext cx="530702" cy="141745"/>
           </a:xfrm>
           <a:prstGeom prst="bentConnector2">
@@ -3821,7 +3844,7 @@
         </p:nvCxnSpPr>
         <p:spPr>
           <a:xfrm flipV="1">
-            <a:off x="3230192" y="3205940"/>
+            <a:off x="4247361" y="3229063"/>
             <a:ext cx="450854" cy="712546"/>
           </a:xfrm>
           <a:prstGeom prst="bentConnector3">
@@ -3859,7 +3882,7 @@
         </p:nvCxnSpPr>
         <p:spPr>
           <a:xfrm>
-            <a:off x="3230192" y="3918486"/>
+            <a:off x="4247362" y="3941610"/>
             <a:ext cx="424477" cy="607579"/>
           </a:xfrm>
           <a:prstGeom prst="bentConnector3">
@@ -3899,7 +3922,7 @@
         </p:nvCxnSpPr>
         <p:spPr>
           <a:xfrm rot="5400000" flipH="1" flipV="1">
-            <a:off x="5197424" y="3866003"/>
+            <a:off x="6214594" y="3889126"/>
             <a:ext cx="973365" cy="12700"/>
           </a:xfrm>
           <a:prstGeom prst="bentConnector3">
@@ -3939,7 +3962,7 @@
         </p:nvCxnSpPr>
         <p:spPr>
           <a:xfrm flipV="1">
-            <a:off x="6384802" y="4209657"/>
+            <a:off x="7401971" y="4232780"/>
             <a:ext cx="396998" cy="312434"/>
           </a:xfrm>
           <a:prstGeom prst="bentConnector3">
@@ -3979,7 +4002,7 @@
         </p:nvCxnSpPr>
         <p:spPr>
           <a:xfrm>
-            <a:off x="6384802" y="4522091"/>
+            <a:off x="7401971" y="4545215"/>
             <a:ext cx="411652" cy="147089"/>
           </a:xfrm>
           <a:prstGeom prst="bentConnector3">
@@ -4019,7 +4042,7 @@
         </p:nvCxnSpPr>
         <p:spPr>
           <a:xfrm>
-            <a:off x="6384802" y="4522091"/>
+            <a:off x="7401971" y="4545215"/>
             <a:ext cx="411652" cy="604289"/>
           </a:xfrm>
           <a:prstGeom prst="bentConnector3">
@@ -4056,7 +4079,7 @@
         </p:nvSpPr>
         <p:spPr>
           <a:xfrm>
-            <a:off x="5219458" y="3032560"/>
+            <a:off x="6236627" y="3055683"/>
             <a:ext cx="929296" cy="346760"/>
           </a:xfrm>
           <a:prstGeom prst="rect">
@@ -4100,7 +4123,7 @@
         </p:nvSpPr>
         <p:spPr>
           <a:xfrm>
-            <a:off x="6148754" y="4435401"/>
+            <a:off x="7165923" y="4458524"/>
             <a:ext cx="236048" cy="173380"/>
           </a:xfrm>
           <a:prstGeom prst="flowChartDecision">
@@ -4131,11 +4154,7 @@
           <a:lstStyle/>
           <a:p>
             <a:pPr algn="ctr"/>
-            <a:endParaRPr lang="en-US" sz="1050">
-              <a:solidFill>
-                <a:schemeClr val="dk1"/>
-              </a:solidFill>
-            </a:endParaRPr>
+            <a:endParaRPr lang="en-US" sz="1050"/>
           </a:p>
         </p:txBody>
       </p:sp>
@@ -4147,7 +4166,7 @@
         </p:nvSpPr>
         <p:spPr>
           <a:xfrm>
-            <a:off x="4610342" y="3131950"/>
+            <a:off x="5627511" y="3155073"/>
             <a:ext cx="236048" cy="173380"/>
           </a:xfrm>
           <a:prstGeom prst="flowChartDecision">
@@ -4188,7 +4207,7 @@
         </p:nvSpPr>
         <p:spPr>
           <a:xfrm>
-            <a:off x="4573941" y="4439375"/>
+            <a:off x="5591110" y="4462498"/>
             <a:ext cx="236048" cy="173380"/>
           </a:xfrm>
           <a:prstGeom prst="flowChartDecision">
@@ -4229,7 +4248,7 @@
         </p:nvSpPr>
         <p:spPr>
           <a:xfrm>
-            <a:off x="2994144" y="3831796"/>
+            <a:off x="4011313" y="3854919"/>
             <a:ext cx="236048" cy="173380"/>
           </a:xfrm>
           <a:prstGeom prst="flowChartDecision">
@@ -4275,7 +4294,7 @@
         </p:nvCxnSpPr>
         <p:spPr>
           <a:xfrm flipV="1">
-            <a:off x="4846390" y="3205940"/>
+            <a:off x="5863559" y="3229063"/>
             <a:ext cx="373068" cy="12700"/>
           </a:xfrm>
           <a:prstGeom prst="straightConnector1">
@@ -4313,7 +4332,7 @@
         </p:nvCxnSpPr>
         <p:spPr>
           <a:xfrm>
-            <a:off x="4809989" y="4526065"/>
+            <a:off x="5827159" y="4549188"/>
             <a:ext cx="409469" cy="0"/>
           </a:xfrm>
           <a:prstGeom prst="straightConnector1">
@@ -4351,7 +4370,7 @@
         </p:nvCxnSpPr>
         <p:spPr>
           <a:xfrm>
-            <a:off x="1691296" y="3920440"/>
+            <a:off x="2708465" y="3943563"/>
             <a:ext cx="373552" cy="0"/>
           </a:xfrm>
           <a:prstGeom prst="straightConnector1">
@@ -4389,7 +4408,7 @@
         </p:nvSpPr>
         <p:spPr>
           <a:xfrm>
-            <a:off x="2258278" y="5140408"/>
+            <a:off x="3275447" y="5163531"/>
             <a:ext cx="1408598" cy="346760"/>
           </a:xfrm>
           <a:prstGeom prst="rect">
@@ -4418,14 +4437,14 @@
           <a:p>
             <a:pPr algn="ctr"/>
             <a:r>
-              <a:rPr lang="en-US" sz="1050" dirty="0" smtClean="0"/>
+              <a:rPr lang="en-US" sz="1050" dirty="0"/>
               <a:t>&lt;&lt;interface&gt;&gt;</a:t>
             </a:r>
           </a:p>
           <a:p>
             <a:pPr algn="ctr"/>
             <a:r>
-              <a:rPr lang="en-US" sz="1050" dirty="0" err="1" smtClean="0"/>
+              <a:rPr lang="en-US" sz="1050" dirty="0" err="1"/>
               <a:t>ReadOnlyPerson</a:t>
             </a:r>
             <a:endParaRPr lang="en-SG" sz="1050" dirty="0"/>
@@ -4443,7 +4462,7 @@
         </p:nvCxnSpPr>
         <p:spPr>
           <a:xfrm flipV="1">
-            <a:off x="1691295" y="5313788"/>
+            <a:off x="2708465" y="5336911"/>
             <a:ext cx="566983" cy="1232"/>
           </a:xfrm>
           <a:prstGeom prst="bentConnector3">
@@ -4484,7 +4503,7 @@
         </p:nvSpPr>
         <p:spPr>
           <a:xfrm rot="16200000">
-            <a:off x="3619386" y="5226026"/>
+            <a:off x="4636555" y="5249150"/>
             <a:ext cx="270504" cy="175523"/>
           </a:xfrm>
           <a:prstGeom prst="triangle">
@@ -4527,7 +4546,7 @@
         </p:nvCxnSpPr>
         <p:spPr>
           <a:xfrm rot="5400000">
-            <a:off x="4456082" y="4085763"/>
+            <a:off x="5473252" y="4108886"/>
             <a:ext cx="614343" cy="1841706"/>
           </a:xfrm>
           <a:prstGeom prst="bentConnector2">
@@ -4563,7 +4582,7 @@
         </p:nvSpPr>
         <p:spPr>
           <a:xfrm>
-            <a:off x="2566828" y="1356188"/>
+            <a:off x="3583998" y="1379311"/>
             <a:ext cx="1611867" cy="444640"/>
           </a:xfrm>
           <a:prstGeom prst="rect">
@@ -4614,7 +4633,7 @@
         </p:nvSpPr>
         <p:spPr>
           <a:xfrm flipH="1">
-            <a:off x="4724400" y="1059080"/>
+            <a:off x="5741570" y="1082203"/>
             <a:ext cx="1404109" cy="346760"/>
           </a:xfrm>
           <a:prstGeom prst="rect">
@@ -4658,7 +4677,7 @@
         </p:nvSpPr>
         <p:spPr>
           <a:xfrm flipH="1">
-            <a:off x="4724400" y="1454067"/>
+            <a:off x="5741570" y="1477190"/>
             <a:ext cx="1404109" cy="346760"/>
           </a:xfrm>
           <a:prstGeom prst="rect">
@@ -4702,7 +4721,7 @@
         </p:nvSpPr>
         <p:spPr>
           <a:xfrm flipH="1">
-            <a:off x="4724400" y="1849054"/>
+            <a:off x="5741570" y="1872177"/>
             <a:ext cx="1404109" cy="346760"/>
           </a:xfrm>
           <a:prstGeom prst="rect">
@@ -4746,7 +4765,7 @@
         </p:nvSpPr>
         <p:spPr>
           <a:xfrm rot="16200000">
-            <a:off x="4131203" y="1571491"/>
+            <a:off x="5148372" y="1594615"/>
             <a:ext cx="270504" cy="175523"/>
           </a:xfrm>
           <a:prstGeom prst="triangle">
@@ -4789,7 +4808,7 @@
         </p:nvCxnSpPr>
         <p:spPr>
           <a:xfrm flipV="1">
-            <a:off x="4354217" y="1627447"/>
+            <a:off x="5371387" y="1650570"/>
             <a:ext cx="370183" cy="31806"/>
           </a:xfrm>
           <a:prstGeom prst="bentConnector3">
@@ -4827,7 +4846,7 @@
         </p:nvCxnSpPr>
         <p:spPr>
           <a:xfrm flipV="1">
-            <a:off x="4354217" y="1232460"/>
+            <a:off x="5371387" y="1255584"/>
             <a:ext cx="370183" cy="426793"/>
           </a:xfrm>
           <a:prstGeom prst="bentConnector3">
@@ -4865,7 +4884,7 @@
         </p:nvCxnSpPr>
         <p:spPr>
           <a:xfrm>
-            <a:off x="4354217" y="1659253"/>
+            <a:off x="5371387" y="1682377"/>
             <a:ext cx="370183" cy="363181"/>
           </a:xfrm>
           <a:prstGeom prst="bentConnector3">
@@ -4900,7 +4919,7 @@
         </p:nvSpPr>
         <p:spPr>
           <a:xfrm flipH="1">
-            <a:off x="4724400" y="2244040"/>
+            <a:off x="5741570" y="2267163"/>
             <a:ext cx="1404109" cy="346760"/>
           </a:xfrm>
           <a:prstGeom prst="rect">
@@ -4929,7 +4948,7 @@
           <a:p>
             <a:pPr algn="ctr"/>
             <a:r>
-              <a:rPr lang="en-US" sz="1050" dirty="0" smtClean="0"/>
+              <a:rPr lang="en-US" sz="1050" dirty="0"/>
               <a:t>…Command</a:t>
             </a:r>
             <a:endParaRPr lang="en-SG" sz="1050" dirty="0"/>
@@ -4947,7 +4966,7 @@
         </p:nvCxnSpPr>
         <p:spPr>
           <a:xfrm>
-            <a:off x="4354217" y="1659253"/>
+            <a:off x="5371387" y="1682377"/>
             <a:ext cx="370183" cy="758167"/>
           </a:xfrm>
           <a:prstGeom prst="bentConnector3">
@@ -4985,7 +5004,7 @@
         </p:nvCxnSpPr>
         <p:spPr>
           <a:xfrm rot="5400000" flipH="1" flipV="1">
-            <a:off x="1452229" y="1891441"/>
+            <a:off x="2469398" y="1914564"/>
             <a:ext cx="1427532" cy="801666"/>
           </a:xfrm>
           <a:prstGeom prst="bentConnector2">
@@ -5021,7 +5040,7 @@
         </p:nvCxnSpPr>
         <p:spPr>
           <a:xfrm rot="5400000" flipH="1" flipV="1">
-            <a:off x="632132" y="1812364"/>
+            <a:off x="1649301" y="1835488"/>
             <a:ext cx="2293164" cy="1576229"/>
           </a:xfrm>
           <a:prstGeom prst="bentConnector3">
@@ -5062,7 +5081,7 @@
         </p:nvCxnSpPr>
         <p:spPr>
           <a:xfrm rot="5400000">
-            <a:off x="1795164" y="2790743"/>
+            <a:off x="2812333" y="2813866"/>
             <a:ext cx="1889726" cy="6348"/>
           </a:xfrm>
           <a:prstGeom prst="bentConnector3">
@@ -5103,7 +5122,7 @@
         </p:nvSpPr>
         <p:spPr>
           <a:xfrm flipH="1">
-            <a:off x="1219200" y="720040"/>
+            <a:off x="2236370" y="743163"/>
             <a:ext cx="1404109" cy="346760"/>
           </a:xfrm>
           <a:prstGeom prst="rect">
@@ -5150,7 +5169,7 @@
         </p:nvCxnSpPr>
         <p:spPr>
           <a:xfrm rot="16200000" flipV="1">
-            <a:off x="2766652" y="750077"/>
+            <a:off x="3783821" y="773201"/>
             <a:ext cx="462768" cy="749453"/>
           </a:xfrm>
           <a:prstGeom prst="bentConnector2">
@@ -5191,7 +5210,7 @@
         </p:nvCxnSpPr>
         <p:spPr>
           <a:xfrm rot="5400000" flipH="1" flipV="1">
-            <a:off x="-394396" y="2133468"/>
+            <a:off x="622774" y="2156592"/>
             <a:ext cx="2853643" cy="373549"/>
           </a:xfrm>
           <a:prstGeom prst="bentConnector2">
@@ -5230,7 +5249,7 @@
         </p:nvSpPr>
         <p:spPr>
           <a:xfrm>
-            <a:off x="6781800" y="3539440"/>
+            <a:off x="7798969" y="3562563"/>
             <a:ext cx="929296" cy="346760"/>
           </a:xfrm>
           <a:prstGeom prst="rect">
@@ -5277,7 +5296,7 @@
         </p:nvCxnSpPr>
         <p:spPr>
           <a:xfrm flipV="1">
-            <a:off x="6384802" y="3712820"/>
+            <a:off x="7401971" y="3735944"/>
             <a:ext cx="396998" cy="809271"/>
           </a:xfrm>
           <a:prstGeom prst="bentConnector3">
@@ -5314,7 +5333,7 @@
         </p:nvSpPr>
         <p:spPr>
           <a:xfrm>
-            <a:off x="6384802" y="874142"/>
+            <a:off x="7401971" y="897265"/>
             <a:ext cx="929296" cy="346760"/>
           </a:xfrm>
           <a:prstGeom prst="rect">
@@ -5343,7 +5362,7 @@
           <a:p>
             <a:pPr algn="ctr"/>
             <a:r>
-              <a:rPr lang="en-US" sz="1050" dirty="0" smtClean="0"/>
+              <a:rPr lang="en-US" sz="1050" dirty="0"/>
               <a:t>Messages</a:t>
             </a:r>
             <a:endParaRPr lang="en-SG" sz="1050" dirty="0"/>
@@ -5358,7 +5377,7 @@
         </p:nvSpPr>
         <p:spPr>
           <a:xfrm>
-            <a:off x="7592520" y="874142"/>
+            <a:off x="8609689" y="897265"/>
             <a:ext cx="929296" cy="346760"/>
           </a:xfrm>
           <a:prstGeom prst="rect">
@@ -5387,7 +5406,7 @@
           <a:p>
             <a:pPr algn="ctr"/>
             <a:r>
-              <a:rPr lang="en-US" sz="1050" dirty="0" err="1" smtClean="0"/>
+              <a:rPr lang="en-US" sz="1050" dirty="0" err="1"/>
               <a:t>Utils</a:t>
             </a:r>
             <a:endParaRPr lang="en-SG" sz="1050" dirty="0"/>
@@ -5402,7 +5421,7 @@
         </p:nvSpPr>
         <p:spPr>
           <a:xfrm>
-            <a:off x="3666876" y="3710497"/>
+            <a:off x="4684045" y="3733620"/>
             <a:ext cx="929296" cy="346760"/>
           </a:xfrm>
           <a:prstGeom prst="rect">
@@ -5446,7 +5465,7 @@
         </p:nvSpPr>
         <p:spPr>
           <a:xfrm>
-            <a:off x="2356763" y="4455640"/>
+            <a:off x="3373932" y="4478763"/>
             <a:ext cx="929296" cy="346760"/>
           </a:xfrm>
           <a:prstGeom prst="rect">
@@ -5475,7 +5494,7 @@
           <a:p>
             <a:pPr algn="ctr"/>
             <a:r>
-              <a:rPr lang="en-US" sz="1050" dirty="0" smtClean="0"/>
+              <a:rPr lang="en-US" sz="1050" dirty="0"/>
               <a:t>Adapted…</a:t>
             </a:r>
             <a:endParaRPr lang="en-SG" sz="1050" dirty="0"/>
@@ -5493,7 +5512,7 @@
         </p:nvCxnSpPr>
         <p:spPr>
           <a:xfrm flipV="1">
-            <a:off x="2082523" y="4629020"/>
+            <a:off x="3099692" y="4652144"/>
             <a:ext cx="274240" cy="4831"/>
           </a:xfrm>
           <a:prstGeom prst="bentConnector3">
@@ -5534,7 +5553,7 @@
         </p:nvCxnSpPr>
         <p:spPr>
           <a:xfrm flipV="1">
-            <a:off x="6689603" y="1199445"/>
+            <a:off x="7706772" y="1222568"/>
             <a:ext cx="0" cy="304800"/>
           </a:xfrm>
           <a:prstGeom prst="straightConnector1">
@@ -5573,7 +5592,7 @@
         </p:nvCxnSpPr>
         <p:spPr>
           <a:xfrm flipV="1">
-            <a:off x="6842003" y="1199445"/>
+            <a:off x="7859172" y="1222568"/>
             <a:ext cx="0" cy="304800"/>
           </a:xfrm>
           <a:prstGeom prst="straightConnector1">
@@ -5612,7 +5631,7 @@
         </p:nvCxnSpPr>
         <p:spPr>
           <a:xfrm flipV="1">
-            <a:off x="6994403" y="1199445"/>
+            <a:off x="8011572" y="1222568"/>
             <a:ext cx="0" cy="304800"/>
           </a:xfrm>
           <a:prstGeom prst="straightConnector1">
@@ -5651,7 +5670,7 @@
         </p:nvCxnSpPr>
         <p:spPr>
           <a:xfrm flipV="1">
-            <a:off x="7864446" y="1199445"/>
+            <a:off x="8881615" y="1222568"/>
             <a:ext cx="0" cy="304800"/>
           </a:xfrm>
           <a:prstGeom prst="straightConnector1">
@@ -5690,7 +5709,7 @@
         </p:nvCxnSpPr>
         <p:spPr>
           <a:xfrm flipV="1">
-            <a:off x="8016846" y="1199445"/>
+            <a:off x="9034015" y="1222568"/>
             <a:ext cx="0" cy="304800"/>
           </a:xfrm>
           <a:prstGeom prst="straightConnector1">
@@ -5729,7 +5748,7 @@
         </p:nvCxnSpPr>
         <p:spPr>
           <a:xfrm flipV="1">
-            <a:off x="8169246" y="1199445"/>
+            <a:off x="9186415" y="1222568"/>
             <a:ext cx="0" cy="304800"/>
           </a:xfrm>
           <a:prstGeom prst="straightConnector1">
@@ -5760,6 +5779,326 @@
           </a:fontRef>
         </p:style>
       </p:cxnSp>
+      <p:sp>
+        <p:nvSpPr>
+          <p:cNvPr id="77" name="Rectangle 6"/>
+          <p:cNvSpPr/>
+          <p:nvPr/>
+        </p:nvSpPr>
+        <p:spPr>
+          <a:xfrm>
+            <a:off x="9448800" y="4191001"/>
+            <a:ext cx="1868998" cy="327923"/>
+          </a:xfrm>
+          <a:prstGeom prst="rect">
+            <a:avLst/>
+          </a:prstGeom>
+          <a:ln w="19050"/>
+          <a:effectLst/>
+        </p:spPr>
+        <p:style>
+          <a:lnRef idx="1">
+            <a:schemeClr val="accent4"/>
+          </a:lnRef>
+          <a:fillRef idx="2">
+            <a:schemeClr val="accent4"/>
+          </a:fillRef>
+          <a:effectRef idx="1">
+            <a:schemeClr val="accent4"/>
+          </a:effectRef>
+          <a:fontRef idx="minor">
+            <a:schemeClr val="dk1"/>
+          </a:fontRef>
+        </p:style>
+        <p:txBody>
+          <a:bodyPr rtlCol="0" anchor="ctr"/>
+          <a:lstStyle/>
+          <a:p>
+            <a:pPr algn="ctr"/>
+            <a:r>
+              <a:rPr lang="en-SG" sz="1050" dirty="0"/>
+              <a:t>&lt;&lt;interface&gt;&gt; Printable</a:t>
+            </a:r>
+            <a:endParaRPr lang="en-SG" sz="1050" dirty="0"/>
+          </a:p>
+        </p:txBody>
+      </p:sp>
+      <p:sp>
+        <p:nvSpPr>
+          <p:cNvPr id="78" name="Isosceles Triangle 24"/>
+          <p:cNvSpPr/>
+          <p:nvPr/>
+        </p:nvSpPr>
+        <p:spPr>
+          <a:xfrm rot="5400000">
+            <a:off x="9212908" y="4320359"/>
+            <a:ext cx="270504" cy="175523"/>
+          </a:xfrm>
+          <a:prstGeom prst="triangle">
+            <a:avLst/>
+          </a:prstGeom>
+          <a:ln w="19050"/>
+          <a:effectLst/>
+        </p:spPr>
+        <p:style>
+          <a:lnRef idx="1">
+            <a:schemeClr val="accent4"/>
+          </a:lnRef>
+          <a:fillRef idx="2">
+            <a:schemeClr val="accent4"/>
+          </a:fillRef>
+          <a:effectRef idx="1">
+            <a:schemeClr val="accent4"/>
+          </a:effectRef>
+          <a:fontRef idx="minor">
+            <a:schemeClr val="dk1"/>
+          </a:fontRef>
+        </p:style>
+        <p:txBody>
+          <a:bodyPr rtlCol="0" anchor="ctr"/>
+          <a:lstStyle/>
+          <a:p>
+            <a:pPr algn="ctr"/>
+            <a:endParaRPr lang="en-SG" sz="1050"/>
+          </a:p>
+        </p:txBody>
+      </p:sp>
+      <p:cxnSp>
+        <p:nvCxnSpPr>
+          <p:cNvPr id="80" name="Elbow Connector 25"/>
+          <p:cNvCxnSpPr/>
+          <p:nvPr/>
+        </p:nvCxnSpPr>
+        <p:spPr>
+          <a:xfrm rot="10800000" flipV="1">
+            <a:off x="8727242" y="4408120"/>
+            <a:ext cx="533159" cy="221607"/>
+          </a:xfrm>
+          <a:prstGeom prst="bentConnector3">
+            <a:avLst>
+              <a:gd name="adj1" fmla="val 50000"/>
+            </a:avLst>
+          </a:prstGeom>
+          <a:ln w="19050">
+            <a:prstDash val="dash"/>
+          </a:ln>
+          <a:effectLst/>
+        </p:spPr>
+        <p:style>
+          <a:lnRef idx="1">
+            <a:schemeClr val="accent4"/>
+          </a:lnRef>
+          <a:fillRef idx="2">
+            <a:schemeClr val="accent4"/>
+          </a:fillRef>
+          <a:effectRef idx="1">
+            <a:schemeClr val="accent4"/>
+          </a:effectRef>
+          <a:fontRef idx="minor">
+            <a:schemeClr val="dk1"/>
+          </a:fontRef>
+        </p:style>
+      </p:cxnSp>
+      <p:cxnSp>
+        <p:nvCxnSpPr>
+          <p:cNvPr id="83" name="Elbow Connector 26"/>
+          <p:cNvCxnSpPr/>
+          <p:nvPr/>
+        </p:nvCxnSpPr>
+        <p:spPr>
+          <a:xfrm rot="10800000">
+            <a:off x="8727242" y="4234740"/>
+            <a:ext cx="533159" cy="173380"/>
+          </a:xfrm>
+          <a:prstGeom prst="bentConnector3">
+            <a:avLst>
+              <a:gd name="adj1" fmla="val 50000"/>
+            </a:avLst>
+          </a:prstGeom>
+          <a:ln w="19050">
+            <a:prstDash val="dash"/>
+          </a:ln>
+          <a:effectLst/>
+        </p:spPr>
+        <p:style>
+          <a:lnRef idx="1">
+            <a:schemeClr val="accent4"/>
+          </a:lnRef>
+          <a:fillRef idx="2">
+            <a:schemeClr val="accent4"/>
+          </a:fillRef>
+          <a:effectRef idx="1">
+            <a:schemeClr val="accent4"/>
+          </a:effectRef>
+          <a:fontRef idx="minor">
+            <a:schemeClr val="dk1"/>
+          </a:fontRef>
+        </p:style>
+      </p:cxnSp>
+      <p:cxnSp>
+        <p:nvCxnSpPr>
+          <p:cNvPr id="85" name="Elbow Connector 29"/>
+          <p:cNvCxnSpPr/>
+          <p:nvPr/>
+        </p:nvCxnSpPr>
+        <p:spPr>
+          <a:xfrm rot="10800000" flipV="1">
+            <a:off x="8727242" y="4408120"/>
+            <a:ext cx="533159" cy="616593"/>
+          </a:xfrm>
+          <a:prstGeom prst="bentConnector3">
+            <a:avLst>
+              <a:gd name="adj1" fmla="val 50000"/>
+            </a:avLst>
+          </a:prstGeom>
+          <a:ln w="19050">
+            <a:prstDash val="dash"/>
+          </a:ln>
+          <a:effectLst/>
+        </p:spPr>
+        <p:style>
+          <a:lnRef idx="1">
+            <a:schemeClr val="accent4"/>
+          </a:lnRef>
+          <a:fillRef idx="2">
+            <a:schemeClr val="accent4"/>
+          </a:fillRef>
+          <a:effectRef idx="1">
+            <a:schemeClr val="accent4"/>
+          </a:effectRef>
+          <a:fontRef idx="minor">
+            <a:schemeClr val="dk1"/>
+          </a:fontRef>
+        </p:style>
+      </p:cxnSp>
+      <p:cxnSp>
+        <p:nvCxnSpPr>
+          <p:cNvPr id="86" name="Elbow Connector 26"/>
+          <p:cNvCxnSpPr/>
+          <p:nvPr/>
+        </p:nvCxnSpPr>
+        <p:spPr>
+          <a:xfrm rot="10800000">
+            <a:off x="8727242" y="3839755"/>
+            <a:ext cx="533159" cy="568367"/>
+          </a:xfrm>
+          <a:prstGeom prst="bentConnector3">
+            <a:avLst>
+              <a:gd name="adj1" fmla="val 50000"/>
+            </a:avLst>
+          </a:prstGeom>
+          <a:ln w="19050">
+            <a:prstDash val="dash"/>
+          </a:ln>
+          <a:effectLst/>
+        </p:spPr>
+        <p:style>
+          <a:lnRef idx="1">
+            <a:schemeClr val="accent4"/>
+          </a:lnRef>
+          <a:fillRef idx="2">
+            <a:schemeClr val="accent4"/>
+          </a:fillRef>
+          <a:effectRef idx="1">
+            <a:schemeClr val="accent4"/>
+          </a:effectRef>
+          <a:fontRef idx="minor">
+            <a:schemeClr val="dk1"/>
+          </a:fontRef>
+        </p:style>
+      </p:cxnSp>
+      <p:sp>
+        <p:nvSpPr>
+          <p:cNvPr id="88" name="Rectangle 6"/>
+          <p:cNvSpPr/>
+          <p:nvPr/>
+        </p:nvSpPr>
+        <p:spPr>
+          <a:xfrm>
+            <a:off x="9448800" y="4518826"/>
+            <a:ext cx="1868998" cy="122745"/>
+          </a:xfrm>
+          <a:prstGeom prst="rect">
+            <a:avLst/>
+          </a:prstGeom>
+          <a:ln w="19050"/>
+          <a:effectLst/>
+        </p:spPr>
+        <p:style>
+          <a:lnRef idx="1">
+            <a:schemeClr val="accent4"/>
+          </a:lnRef>
+          <a:fillRef idx="2">
+            <a:schemeClr val="accent4"/>
+          </a:fillRef>
+          <a:effectRef idx="1">
+            <a:schemeClr val="accent4"/>
+          </a:effectRef>
+          <a:fontRef idx="minor">
+            <a:schemeClr val="dk1"/>
+          </a:fontRef>
+        </p:style>
+        <p:txBody>
+          <a:bodyPr rtlCol="0" anchor="ctr"/>
+          <a:lstStyle/>
+          <a:p>
+            <a:pPr algn="ctr"/>
+            <a:endParaRPr lang="en-SG" sz="1050" dirty="0"/>
+          </a:p>
+        </p:txBody>
+      </p:sp>
+      <p:sp>
+        <p:nvSpPr>
+          <p:cNvPr id="89" name="Rectangle 6"/>
+          <p:cNvSpPr/>
+          <p:nvPr/>
+        </p:nvSpPr>
+        <p:spPr>
+          <a:xfrm>
+            <a:off x="9448800" y="4637218"/>
+            <a:ext cx="1868998" cy="271943"/>
+          </a:xfrm>
+          <a:prstGeom prst="rect">
+            <a:avLst/>
+          </a:prstGeom>
+          <a:ln w="19050"/>
+          <a:effectLst/>
+        </p:spPr>
+        <p:style>
+          <a:lnRef idx="1">
+            <a:schemeClr val="accent4"/>
+          </a:lnRef>
+          <a:fillRef idx="2">
+            <a:schemeClr val="accent4"/>
+          </a:fillRef>
+          <a:effectRef idx="1">
+            <a:schemeClr val="accent4"/>
+          </a:effectRef>
+          <a:fontRef idx="minor">
+            <a:schemeClr val="dk1"/>
+          </a:fontRef>
+        </p:style>
+        <p:txBody>
+          <a:bodyPr rtlCol="0" anchor="ctr"/>
+          <a:lstStyle/>
+          <a:p>
+            <a:pPr algn="ctr"/>
+            <a:r>
+              <a:rPr lang="en-US" sz="1050" dirty="0"/>
+              <a:t>+ </a:t>
+            </a:r>
+            <a:r>
+              <a:rPr lang="en-US" sz="1050" dirty="0" err="1"/>
+              <a:t>getPrintableString</a:t>
+            </a:r>
+            <a:r>
+              <a:rPr lang="en-US" sz="1050" dirty="0"/>
+              <a:t>(): String</a:t>
+            </a:r>
+            <a:endParaRPr lang="en-SG" sz="1050" dirty="0"/>
+          </a:p>
+        </p:txBody>
+      </p:sp>
     </p:spTree>
     <p:extLst>
       <p:ext uri="{BB962C8B-B14F-4D97-AF65-F5344CB8AC3E}">
@@ -5770,6 +6109,13 @@
   <p:clrMapOvr>
     <a:masterClrMapping/>
   </p:clrMapOvr>
+  <p:timing>
+    <p:tnLst>
+      <p:par>
+        <p:cTn id="1" dur="indefinite" restart="never" nodeType="tmRoot"/>
+      </p:par>
+    </p:tnLst>
+  </p:timing>
 </p:sld>
 </file>
 
@@ -5798,7 +6144,7 @@
         </p:nvSpPr>
         <p:spPr>
           <a:xfrm>
-            <a:off x="1009446" y="3810000"/>
+            <a:off x="2533446" y="3810000"/>
             <a:ext cx="929296" cy="346760"/>
           </a:xfrm>
           <a:prstGeom prst="rect">
@@ -5827,7 +6173,7 @@
           <a:p>
             <a:pPr algn="ctr"/>
             <a:r>
-              <a:rPr lang="en-US" sz="1050" dirty="0" smtClean="0"/>
+              <a:rPr lang="en-US" sz="1050" dirty="0"/>
               <a:t>Address</a:t>
             </a:r>
             <a:endParaRPr lang="en-SG" sz="1050" dirty="0"/>
@@ -5842,7 +6188,7 @@
         </p:nvSpPr>
         <p:spPr>
           <a:xfrm>
-            <a:off x="2600202" y="4414289"/>
+            <a:off x="4124202" y="4414289"/>
             <a:ext cx="929296" cy="346760"/>
           </a:xfrm>
           <a:prstGeom prst="rect">
@@ -5871,7 +6217,7 @@
           <a:p>
             <a:pPr algn="ctr"/>
             <a:r>
-              <a:rPr lang="en-US" sz="1050" dirty="0" smtClean="0"/>
+              <a:rPr lang="en-US" sz="1050" dirty="0"/>
               <a:t>Unit</a:t>
             </a:r>
             <a:endParaRPr lang="en-SG" sz="1050" dirty="0"/>
@@ -5889,7 +6235,7 @@
         </p:nvCxnSpPr>
         <p:spPr>
           <a:xfrm>
-            <a:off x="2188550" y="3983380"/>
+            <a:off x="3712550" y="3983381"/>
             <a:ext cx="411652" cy="604289"/>
           </a:xfrm>
           <a:prstGeom prst="bentConnector3">
@@ -5926,7 +6272,7 @@
         </p:nvSpPr>
         <p:spPr>
           <a:xfrm>
-            <a:off x="1952502" y="3896690"/>
+            <a:off x="3476502" y="3896690"/>
             <a:ext cx="236048" cy="173380"/>
           </a:xfrm>
           <a:prstGeom prst="flowChartDecision">
@@ -5969,7 +6315,7 @@
         </p:nvSpPr>
         <p:spPr>
           <a:xfrm>
-            <a:off x="2600202" y="4913449"/>
+            <a:off x="4124202" y="4913449"/>
             <a:ext cx="929296" cy="346760"/>
           </a:xfrm>
           <a:prstGeom prst="rect">
@@ -5998,7 +6344,7 @@
           <a:p>
             <a:pPr algn="ctr"/>
             <a:r>
-              <a:rPr lang="en-US" sz="1050" dirty="0" smtClean="0"/>
+              <a:rPr lang="en-US" sz="1050" dirty="0"/>
               <a:t>Postal code</a:t>
             </a:r>
             <a:endParaRPr lang="en-SG" sz="1050" dirty="0"/>
@@ -6013,7 +6359,7 @@
         </p:nvSpPr>
         <p:spPr>
           <a:xfrm>
-            <a:off x="2600202" y="3896690"/>
+            <a:off x="4124202" y="3896690"/>
             <a:ext cx="929296" cy="346760"/>
           </a:xfrm>
           <a:prstGeom prst="rect">
@@ -6042,7 +6388,7 @@
           <a:p>
             <a:pPr algn="ctr"/>
             <a:r>
-              <a:rPr lang="en-US" sz="1050" dirty="0" smtClean="0"/>
+              <a:rPr lang="en-US" sz="1050" dirty="0"/>
               <a:t>Street</a:t>
             </a:r>
             <a:endParaRPr lang="en-SG" sz="1050" dirty="0"/>
@@ -6057,7 +6403,7 @@
         </p:nvSpPr>
         <p:spPr>
           <a:xfrm>
-            <a:off x="2600202" y="3352800"/>
+            <a:off x="4124202" y="3352800"/>
             <a:ext cx="929296" cy="346760"/>
           </a:xfrm>
           <a:prstGeom prst="rect">
@@ -6086,7 +6432,7 @@
           <a:p>
             <a:pPr algn="ctr"/>
             <a:r>
-              <a:rPr lang="en-US" sz="1050" dirty="0" smtClean="0"/>
+              <a:rPr lang="en-US" sz="1050" dirty="0"/>
               <a:t>Block</a:t>
             </a:r>
             <a:endParaRPr lang="en-SG" sz="1050" dirty="0"/>
@@ -6104,7 +6450,7 @@
         </p:nvCxnSpPr>
         <p:spPr>
           <a:xfrm flipV="1">
-            <a:off x="2188550" y="3526180"/>
+            <a:off x="3712550" y="3526180"/>
             <a:ext cx="411652" cy="457200"/>
           </a:xfrm>
           <a:prstGeom prst="bentConnector3">
@@ -6144,7 +6490,7 @@
         </p:nvCxnSpPr>
         <p:spPr>
           <a:xfrm>
-            <a:off x="2188550" y="3983380"/>
+            <a:off x="3712550" y="3983381"/>
             <a:ext cx="411652" cy="1103449"/>
           </a:xfrm>
           <a:prstGeom prst="bentConnector3">
@@ -6184,7 +6530,7 @@
         </p:nvCxnSpPr>
         <p:spPr>
           <a:xfrm>
-            <a:off x="2188550" y="3983380"/>
+            <a:off x="3712550" y="3983380"/>
             <a:ext cx="411652" cy="86690"/>
           </a:xfrm>
           <a:prstGeom prst="bentConnector3">
@@ -6221,7 +6567,7 @@
         </p:nvSpPr>
         <p:spPr>
           <a:xfrm>
-            <a:off x="7376135" y="1180514"/>
+            <a:off x="8900135" y="1180515"/>
             <a:ext cx="929296" cy="342611"/>
           </a:xfrm>
           <a:prstGeom prst="rect">
@@ -6250,7 +6596,7 @@
           <a:p>
             <a:pPr algn="ctr"/>
             <a:r>
-              <a:rPr lang="en-SG" sz="1050" dirty="0" smtClean="0"/>
+              <a:rPr lang="en-SG" sz="1050" dirty="0"/>
               <a:t>Contact</a:t>
             </a:r>
             <a:endParaRPr lang="en-SG" sz="1050" dirty="0"/>
@@ -6265,7 +6611,7 @@
         </p:nvSpPr>
         <p:spPr>
           <a:xfrm>
-            <a:off x="6248400" y="1739820"/>
+            <a:off x="7772400" y="1739820"/>
             <a:ext cx="929296" cy="346760"/>
           </a:xfrm>
           <a:prstGeom prst="rect">
@@ -6294,7 +6640,7 @@
           <a:p>
             <a:pPr algn="ctr"/>
             <a:r>
-              <a:rPr lang="en-US" sz="1050" dirty="0" smtClean="0"/>
+              <a:rPr lang="en-US" sz="1050" dirty="0"/>
               <a:t>Phone</a:t>
             </a:r>
             <a:endParaRPr lang="en-SG" sz="1050" dirty="0"/>
@@ -6309,7 +6655,7 @@
         </p:nvSpPr>
         <p:spPr>
           <a:xfrm>
-            <a:off x="6263054" y="2199343"/>
+            <a:off x="7787054" y="2199343"/>
             <a:ext cx="929296" cy="346760"/>
           </a:xfrm>
           <a:prstGeom prst="rect">
@@ -6338,7 +6684,7 @@
           <a:p>
             <a:pPr algn="ctr"/>
             <a:r>
-              <a:rPr lang="en-US" sz="1050" dirty="0" smtClean="0"/>
+              <a:rPr lang="en-US" sz="1050" dirty="0"/>
               <a:t>Email</a:t>
             </a:r>
             <a:endParaRPr lang="en-SG" sz="1050" dirty="0"/>
@@ -6353,7 +6699,7 @@
         </p:nvSpPr>
         <p:spPr>
           <a:xfrm>
-            <a:off x="6263054" y="2656543"/>
+            <a:off x="7787054" y="2656543"/>
             <a:ext cx="929296" cy="346760"/>
           </a:xfrm>
           <a:prstGeom prst="rect">
@@ -6382,7 +6728,7 @@
           <a:p>
             <a:pPr algn="ctr"/>
             <a:r>
-              <a:rPr lang="en-US" sz="1050" dirty="0" smtClean="0"/>
+              <a:rPr lang="en-US" sz="1050" dirty="0"/>
               <a:t>Address</a:t>
             </a:r>
             <a:endParaRPr lang="en-SG" sz="1050" dirty="0"/>
@@ -6397,7 +6743,7 @@
         </p:nvSpPr>
         <p:spPr>
           <a:xfrm>
-            <a:off x="7717912" y="1524660"/>
+            <a:off x="9241912" y="1524661"/>
             <a:ext cx="270504" cy="175523"/>
           </a:xfrm>
           <a:prstGeom prst="triangle">
@@ -6440,7 +6786,7 @@
         </p:nvCxnSpPr>
         <p:spPr>
           <a:xfrm rot="5400000">
-            <a:off x="7186487" y="1706046"/>
+            <a:off x="8710487" y="1706046"/>
             <a:ext cx="672540" cy="660814"/>
           </a:xfrm>
           <a:prstGeom prst="bentConnector2">
@@ -6475,7 +6821,7 @@
         </p:nvCxnSpPr>
         <p:spPr>
           <a:xfrm rot="5400000">
-            <a:off x="7408922" y="1468957"/>
+            <a:off x="8932923" y="1468957"/>
             <a:ext cx="213017" cy="675468"/>
           </a:xfrm>
           <a:prstGeom prst="bentConnector2">
@@ -6510,7 +6856,7 @@
         </p:nvCxnSpPr>
         <p:spPr>
           <a:xfrm rot="5400000">
-            <a:off x="6957887" y="1934646"/>
+            <a:off x="8481887" y="1934646"/>
             <a:ext cx="1129740" cy="660814"/>
           </a:xfrm>
           <a:prstGeom prst="bentConnector2">
@@ -6542,7 +6888,7 @@
         </p:nvSpPr>
         <p:spPr>
           <a:xfrm>
-            <a:off x="6132002" y="4597467"/>
+            <a:off x="7656002" y="4597468"/>
             <a:ext cx="1868998" cy="327923"/>
           </a:xfrm>
           <a:prstGeom prst="rect">
@@ -6571,7 +6917,7 @@
           <a:p>
             <a:pPr algn="ctr"/>
             <a:r>
-              <a:rPr lang="en-SG" sz="1050" dirty="0" smtClean="0"/>
+              <a:rPr lang="en-SG" sz="1050" dirty="0"/>
               <a:t>&lt;&lt;interface&gt;&gt; Printable</a:t>
             </a:r>
             <a:endParaRPr lang="en-SG" sz="1050" dirty="0"/>
@@ -6586,7 +6932,7 @@
         </p:nvSpPr>
         <p:spPr>
           <a:xfrm>
-            <a:off x="4481146" y="4467827"/>
+            <a:off x="6005146" y="4467827"/>
             <a:ext cx="929296" cy="346760"/>
           </a:xfrm>
           <a:prstGeom prst="rect">
@@ -6615,7 +6961,7 @@
           <a:p>
             <a:pPr algn="ctr"/>
             <a:r>
-              <a:rPr lang="en-US" sz="1050" dirty="0" smtClean="0"/>
+              <a:rPr lang="en-US" sz="1050" dirty="0"/>
               <a:t>Phone</a:t>
             </a:r>
             <a:endParaRPr lang="en-SG" sz="1050" dirty="0"/>
@@ -6630,7 +6976,7 @@
         </p:nvSpPr>
         <p:spPr>
           <a:xfrm>
-            <a:off x="4481146" y="4862814"/>
+            <a:off x="6005146" y="4862814"/>
             <a:ext cx="929296" cy="346760"/>
           </a:xfrm>
           <a:prstGeom prst="rect">
@@ -6659,7 +7005,7 @@
           <a:p>
             <a:pPr algn="ctr"/>
             <a:r>
-              <a:rPr lang="en-US" sz="1050" dirty="0" smtClean="0"/>
+              <a:rPr lang="en-US" sz="1050" dirty="0"/>
               <a:t>Email</a:t>
             </a:r>
             <a:endParaRPr lang="en-SG" sz="1050" dirty="0"/>
@@ -6674,7 +7020,7 @@
         </p:nvSpPr>
         <p:spPr>
           <a:xfrm>
-            <a:off x="4481146" y="5257800"/>
+            <a:off x="6005146" y="5257800"/>
             <a:ext cx="929296" cy="346760"/>
           </a:xfrm>
           <a:prstGeom prst="rect">
@@ -6703,7 +7049,7 @@
           <a:p>
             <a:pPr algn="ctr"/>
             <a:r>
-              <a:rPr lang="en-US" sz="1050" dirty="0" smtClean="0"/>
+              <a:rPr lang="en-US" sz="1050" dirty="0"/>
               <a:t>Address</a:t>
             </a:r>
             <a:endParaRPr lang="en-SG" sz="1050" dirty="0"/>
@@ -6718,7 +7064,7 @@
         </p:nvSpPr>
         <p:spPr>
           <a:xfrm rot="5400000">
-            <a:off x="5896110" y="4726825"/>
+            <a:off x="7420110" y="4726826"/>
             <a:ext cx="270504" cy="175523"/>
           </a:xfrm>
           <a:prstGeom prst="triangle">
@@ -6761,7 +7107,7 @@
         </p:nvCxnSpPr>
         <p:spPr>
           <a:xfrm rot="10800000" flipV="1">
-            <a:off x="5410443" y="4814586"/>
+            <a:off x="6934444" y="4814587"/>
             <a:ext cx="533159" cy="221607"/>
           </a:xfrm>
           <a:prstGeom prst="bentConnector3">
@@ -6800,7 +7146,7 @@
         </p:nvCxnSpPr>
         <p:spPr>
           <a:xfrm rot="10800000">
-            <a:off x="5410443" y="4641207"/>
+            <a:off x="6934444" y="4641207"/>
             <a:ext cx="533159" cy="173380"/>
           </a:xfrm>
           <a:prstGeom prst="bentConnector3">
@@ -6839,7 +7185,7 @@
         </p:nvCxnSpPr>
         <p:spPr>
           <a:xfrm rot="10800000" flipV="1">
-            <a:off x="5410443" y="4814586"/>
+            <a:off x="6934444" y="4814587"/>
             <a:ext cx="533159" cy="616593"/>
           </a:xfrm>
           <a:prstGeom prst="bentConnector3">
@@ -6875,7 +7221,7 @@
         </p:nvSpPr>
         <p:spPr>
           <a:xfrm>
-            <a:off x="4481146" y="4072840"/>
+            <a:off x="6005146" y="4072840"/>
             <a:ext cx="929296" cy="346760"/>
           </a:xfrm>
           <a:prstGeom prst="rect">
@@ -6904,7 +7250,7 @@
           <a:p>
             <a:pPr algn="ctr"/>
             <a:r>
-              <a:rPr lang="en-US" sz="1050" dirty="0" smtClean="0"/>
+              <a:rPr lang="en-US" sz="1050" dirty="0"/>
               <a:t>Name</a:t>
             </a:r>
             <a:endParaRPr lang="en-SG" sz="1050" dirty="0"/>
@@ -6922,7 +7268,7 @@
         </p:nvCxnSpPr>
         <p:spPr>
           <a:xfrm rot="10800000">
-            <a:off x="5410443" y="4246221"/>
+            <a:off x="6934444" y="4246222"/>
             <a:ext cx="533159" cy="568367"/>
           </a:xfrm>
           <a:prstGeom prst="bentConnector3">
@@ -6958,7 +7304,7 @@
         </p:nvSpPr>
         <p:spPr>
           <a:xfrm>
-            <a:off x="6132002" y="4925292"/>
+            <a:off x="7656002" y="4925293"/>
             <a:ext cx="1868998" cy="122745"/>
           </a:xfrm>
           <a:prstGeom prst="rect">
@@ -6998,7 +7344,7 @@
         </p:nvSpPr>
         <p:spPr>
           <a:xfrm>
-            <a:off x="6132002" y="5043684"/>
+            <a:off x="7656002" y="5043685"/>
             <a:ext cx="1868998" cy="271943"/>
           </a:xfrm>
           <a:prstGeom prst="rect">
@@ -7027,15 +7373,15 @@
           <a:p>
             <a:pPr algn="ctr"/>
             <a:r>
-              <a:rPr lang="en-US" sz="1050" dirty="0" smtClean="0"/>
+              <a:rPr lang="en-US" sz="1050" dirty="0"/>
               <a:t>+ </a:t>
             </a:r>
             <a:r>
-              <a:rPr lang="en-US" sz="1050" dirty="0" err="1" smtClean="0"/>
+              <a:rPr lang="en-US" sz="1050" dirty="0" err="1"/>
               <a:t>getPrintableString</a:t>
             </a:r>
             <a:r>
-              <a:rPr lang="en-US" sz="1050" dirty="0" smtClean="0"/>
+              <a:rPr lang="en-US" sz="1050" dirty="0"/>
               <a:t>(): String</a:t>
             </a:r>
             <a:endParaRPr lang="en-SG" sz="1050" dirty="0"/>
@@ -7050,7 +7396,7 @@
         </p:nvSpPr>
         <p:spPr>
           <a:xfrm>
-            <a:off x="1031322" y="1206785"/>
+            <a:off x="2555322" y="1206785"/>
             <a:ext cx="929296" cy="346760"/>
           </a:xfrm>
           <a:prstGeom prst="rect">
@@ -7094,7 +7440,7 @@
         </p:nvSpPr>
         <p:spPr>
           <a:xfrm>
-            <a:off x="2647520" y="517686"/>
+            <a:off x="4171520" y="517686"/>
             <a:ext cx="929296" cy="346760"/>
           </a:xfrm>
           <a:prstGeom prst="rect">
@@ -7123,14 +7469,14 @@
           <a:p>
             <a:pPr algn="ctr"/>
             <a:r>
-              <a:rPr lang="en-US" sz="1050" dirty="0" smtClean="0"/>
+              <a:rPr lang="en-US" sz="1050" dirty="0"/>
               <a:t>Unique</a:t>
             </a:r>
             <a:br>
-              <a:rPr lang="en-US" sz="1050" dirty="0" smtClean="0"/>
+              <a:rPr lang="en-US" sz="1050" dirty="0"/>
             </a:br>
             <a:r>
-              <a:rPr lang="en-US" sz="1050" dirty="0" err="1" smtClean="0"/>
+              <a:rPr lang="en-US" sz="1050" dirty="0" err="1"/>
               <a:t>TagList</a:t>
             </a:r>
             <a:endParaRPr lang="en-SG" sz="1050" dirty="0"/>
@@ -7145,7 +7491,7 @@
         </p:nvSpPr>
         <p:spPr>
           <a:xfrm>
-            <a:off x="2621143" y="1837811"/>
+            <a:off x="4145143" y="1837811"/>
             <a:ext cx="929296" cy="346760"/>
           </a:xfrm>
           <a:prstGeom prst="rect">
@@ -7174,14 +7520,14 @@
           <a:p>
             <a:pPr algn="ctr"/>
             <a:r>
-              <a:rPr lang="en-US" sz="1050" dirty="0" smtClean="0"/>
+              <a:rPr lang="en-US" sz="1050" dirty="0"/>
               <a:t>Unique</a:t>
             </a:r>
             <a:br>
-              <a:rPr lang="en-US" sz="1050" dirty="0" smtClean="0"/>
+              <a:rPr lang="en-US" sz="1050" dirty="0"/>
             </a:br>
             <a:r>
-              <a:rPr lang="en-US" sz="1050" dirty="0" err="1" smtClean="0"/>
+              <a:rPr lang="en-US" sz="1050" dirty="0" err="1"/>
               <a:t>PersonList</a:t>
             </a:r>
             <a:endParaRPr lang="en-SG" sz="1050" dirty="0"/>
@@ -7196,7 +7542,7 @@
         </p:nvSpPr>
         <p:spPr>
           <a:xfrm>
-            <a:off x="4190165" y="1837811"/>
+            <a:off x="5714165" y="1837811"/>
             <a:ext cx="929296" cy="346760"/>
           </a:xfrm>
           <a:prstGeom prst="rect">
@@ -7225,7 +7571,7 @@
           <a:p>
             <a:pPr algn="ctr"/>
             <a:r>
-              <a:rPr lang="en-US" sz="1050" dirty="0" smtClean="0"/>
+              <a:rPr lang="en-US" sz="1050" dirty="0"/>
               <a:t>Person</a:t>
             </a:r>
             <a:endParaRPr lang="en-SG" sz="1050" dirty="0"/>
@@ -7243,7 +7589,7 @@
         </p:nvCxnSpPr>
         <p:spPr>
           <a:xfrm flipV="1">
-            <a:off x="2196666" y="691066"/>
+            <a:off x="3720666" y="691067"/>
             <a:ext cx="450854" cy="687145"/>
           </a:xfrm>
           <a:prstGeom prst="bentConnector3">
@@ -7281,7 +7627,7 @@
         </p:nvCxnSpPr>
         <p:spPr>
           <a:xfrm>
-            <a:off x="2196666" y="1378211"/>
+            <a:off x="3720667" y="1378211"/>
             <a:ext cx="424477" cy="632980"/>
           </a:xfrm>
           <a:prstGeom prst="bentConnector3">
@@ -7318,7 +7664,7 @@
         </p:nvSpPr>
         <p:spPr>
           <a:xfrm>
-            <a:off x="4190165" y="517686"/>
+            <a:off x="5714165" y="517686"/>
             <a:ext cx="929296" cy="346760"/>
           </a:xfrm>
           <a:prstGeom prst="rect">
@@ -7362,7 +7708,7 @@
         </p:nvSpPr>
         <p:spPr>
           <a:xfrm>
-            <a:off x="3576816" y="617076"/>
+            <a:off x="5100816" y="617076"/>
             <a:ext cx="236048" cy="173380"/>
           </a:xfrm>
           <a:prstGeom prst="flowChartDecision">
@@ -7403,7 +7749,7 @@
         </p:nvSpPr>
         <p:spPr>
           <a:xfrm>
-            <a:off x="3540415" y="1924501"/>
+            <a:off x="5064415" y="1924501"/>
             <a:ext cx="236048" cy="173380"/>
           </a:xfrm>
           <a:prstGeom prst="flowChartDecision">
@@ -7444,7 +7790,7 @@
         </p:nvSpPr>
         <p:spPr>
           <a:xfrm>
-            <a:off x="1960618" y="1291521"/>
+            <a:off x="3484618" y="1291521"/>
             <a:ext cx="236048" cy="173380"/>
           </a:xfrm>
           <a:prstGeom prst="flowChartDecision">
@@ -7490,7 +7836,7 @@
         </p:nvCxnSpPr>
         <p:spPr>
           <a:xfrm flipV="1">
-            <a:off x="3812864" y="691066"/>
+            <a:off x="5336865" y="691066"/>
             <a:ext cx="377301" cy="12700"/>
           </a:xfrm>
           <a:prstGeom prst="straightConnector1">
@@ -7528,7 +7874,7 @@
         </p:nvCxnSpPr>
         <p:spPr>
           <a:xfrm>
-            <a:off x="3776463" y="2011191"/>
+            <a:off x="5300463" y="2011191"/>
             <a:ext cx="413702" cy="0"/>
           </a:xfrm>
           <a:prstGeom prst="straightConnector1">
@@ -7563,7 +7909,7 @@
         </p:nvSpPr>
         <p:spPr>
           <a:xfrm>
-            <a:off x="3348216" y="1195623"/>
+            <a:off x="4872216" y="1195623"/>
             <a:ext cx="929296" cy="346760"/>
           </a:xfrm>
           <a:prstGeom prst="rect">
@@ -7592,7 +7938,7 @@
           <a:p>
             <a:pPr algn="ctr"/>
             <a:r>
-              <a:rPr lang="en-US" sz="1050" dirty="0" smtClean="0"/>
+              <a:rPr lang="en-US" sz="1050" dirty="0"/>
               <a:t>Tagging</a:t>
             </a:r>
             <a:endParaRPr lang="en-SG" sz="1050" dirty="0"/>
@@ -7610,7 +7956,7 @@
         </p:nvCxnSpPr>
         <p:spPr>
           <a:xfrm flipV="1">
-            <a:off x="4654813" y="864446"/>
+            <a:off x="6178813" y="864447"/>
             <a:ext cx="0" cy="973365"/>
           </a:xfrm>
           <a:prstGeom prst="straightConnector1">
@@ -7647,7 +7993,7 @@
         </p:nvCxnSpPr>
         <p:spPr>
           <a:xfrm>
-            <a:off x="4277512" y="1369003"/>
+            <a:off x="5801513" y="1369003"/>
             <a:ext cx="377301" cy="0"/>
           </a:xfrm>
           <a:prstGeom prst="line">
@@ -7686,7 +8032,7 @@
         </p:nvCxnSpPr>
         <p:spPr>
           <a:xfrm flipV="1">
-            <a:off x="2196666" y="1369003"/>
+            <a:off x="3720666" y="1369003"/>
             <a:ext cx="1151550" cy="9208"/>
           </a:xfrm>
           <a:prstGeom prst="straightConnector1">
@@ -7721,7 +8067,7 @@
         </p:nvSpPr>
         <p:spPr>
           <a:xfrm>
-            <a:off x="3112168" y="1066800"/>
+            <a:off x="4636168" y="1066800"/>
             <a:ext cx="88232" cy="369332"/>
           </a:xfrm>
           <a:prstGeom prst="rect">
@@ -7736,7 +8082,7 @@
           <a:lstStyle/>
           <a:p>
             <a:r>
-              <a:rPr lang="en-US" dirty="0" smtClean="0">
+              <a:rPr lang="en-US" dirty="0">
                 <a:solidFill>
                   <a:schemeClr val="accent6">
                     <a:lumMod val="75000"/>
@@ -7765,6 +8111,13 @@
   <p:clrMapOvr>
     <a:masterClrMapping/>
   </p:clrMapOvr>
+  <p:timing>
+    <p:tnLst>
+      <p:par>
+        <p:cTn id="1" dur="indefinite" restart="never" nodeType="tmRoot"/>
+      </p:par>
+    </p:tnLst>
+  </p:timing>
 </p:sld>
 </file>
 
